--- a/PPT/(이승건)250304_BERT멘토링리뷰.pptx
+++ b/PPT/(이승건)250304_BERT멘토링리뷰.pptx
@@ -5,7 +5,7 @@
     <p:sldMasterId id="2147483648" r:id="rId1"/>
   </p:sldMasterIdLst>
   <p:notesMasterIdLst>
-    <p:notesMasterId r:id="rId32"/>
+    <p:notesMasterId r:id="rId31"/>
   </p:notesMasterIdLst>
   <p:sldIdLst>
     <p:sldId id="256" r:id="rId2"/>
@@ -35,36 +35,35 @@
     <p:sldId id="280" r:id="rId26"/>
     <p:sldId id="281" r:id="rId27"/>
     <p:sldId id="282" r:id="rId28"/>
-    <p:sldId id="283" r:id="rId29"/>
-    <p:sldId id="284" r:id="rId30"/>
-    <p:sldId id="285" r:id="rId31"/>
+    <p:sldId id="284" r:id="rId29"/>
+    <p:sldId id="286" r:id="rId30"/>
   </p:sldIdLst>
   <p:sldSz cx="9144000" cy="5143500" type="screen16x9"/>
   <p:notesSz cx="6858000" cy="9144000"/>
   <p:embeddedFontLst>
     <p:embeddedFont>
       <p:font typeface="Mulish" panose="020B0600000101010101" charset="0"/>
-      <p:regular r:id="rId33"/>
-      <p:bold r:id="rId34"/>
-      <p:italic r:id="rId35"/>
-      <p:boldItalic r:id="rId36"/>
+      <p:regular r:id="rId32"/>
+      <p:bold r:id="rId33"/>
+      <p:italic r:id="rId34"/>
+      <p:boldItalic r:id="rId35"/>
     </p:embeddedFont>
     <p:embeddedFont>
       <p:font typeface="Noto Sans" panose="020B0502040504020204" pitchFamily="34" charset="0"/>
-      <p:regular r:id="rId37"/>
-      <p:bold r:id="rId38"/>
-      <p:italic r:id="rId39"/>
-      <p:boldItalic r:id="rId40"/>
+      <p:regular r:id="rId36"/>
+      <p:bold r:id="rId37"/>
+      <p:italic r:id="rId38"/>
+      <p:boldItalic r:id="rId39"/>
     </p:embeddedFont>
     <p:embeddedFont>
       <p:font typeface="Nunito Light" pitchFamily="2" charset="0"/>
-      <p:regular r:id="rId41"/>
-      <p:italic r:id="rId42"/>
+      <p:regular r:id="rId40"/>
+      <p:italic r:id="rId41"/>
     </p:embeddedFont>
     <p:embeddedFont>
       <p:font typeface="Quicksand" panose="020B0600000101010101" charset="0"/>
-      <p:regular r:id="rId43"/>
-      <p:bold r:id="rId44"/>
+      <p:regular r:id="rId42"/>
+      <p:bold r:id="rId43"/>
     </p:embeddedFont>
   </p:embeddedFontLst>
   <p:defaultTextStyle>
@@ -297,8 +296,11 @@
     </a:lvl9pPr>
   </p:defaultTextStyle>
   <p:extLst>
+    <p:ext uri="{EFAFB233-063F-42B5-8137-9DF3F51BA10A}">
+      <p15:sldGuideLst xmlns:p15="http://schemas.microsoft.com/office/powerpoint/2012/main"/>
+    </p:ext>
     <p:ext uri="GoogleSlidesCustomDataVersion2">
-      <go:slidesCustomData xmlns:go="http://customooxmlschemas.google.com/" xmlns:ahyp="http://schemas.microsoft.com/office/drawing/2018/hyperlinkcolor" xmlns:p15="http://schemas.microsoft.com/office/powerpoint/2012/main" xmlns:p14="http://schemas.microsoft.com/office/powerpoint/2010/main" xmlns:com="http://schemas.openxmlformats.org/drawingml/2006/compatibility" xmlns:pvml="urn:schemas-microsoft-com:office:powerpoint" xmlns:v="urn:schemas-microsoft-com:vml" xmlns:o="urn:schemas-microsoft-com:office:office" xmlns:dgm="http://schemas.openxmlformats.org/drawingml/2006/diagram" xmlns:c="http://schemas.openxmlformats.org/drawingml/2006/chart" xmlns:mv="urn:schemas-microsoft-com:mac:vml" xmlns:mc="http://schemas.openxmlformats.org/markup-compatibility/2006" xmlns="" r:id="rId46" roundtripDataSignature="AMtx7mjPnsPxW5wZ3y7xFk8G9seIHFSGGw=="/>
+      <go:slidesCustomData xmlns="" xmlns:mc="http://schemas.openxmlformats.org/markup-compatibility/2006" xmlns:mv="urn:schemas-microsoft-com:mac:vml" xmlns:c="http://schemas.openxmlformats.org/drawingml/2006/chart" xmlns:dgm="http://schemas.openxmlformats.org/drawingml/2006/diagram" xmlns:o="urn:schemas-microsoft-com:office:office" xmlns:v="urn:schemas-microsoft-com:vml" xmlns:pvml="urn:schemas-microsoft-com:office:powerpoint" xmlns:com="http://schemas.openxmlformats.org/drawingml/2006/compatibility" xmlns:p14="http://schemas.microsoft.com/office/powerpoint/2010/main" xmlns:p15="http://schemas.microsoft.com/office/powerpoint/2012/main" xmlns:ahyp="http://schemas.microsoft.com/office/drawing/2018/hyperlinkcolor" xmlns:go="http://customooxmlschemas.google.com/" r:id="rId46" roundtripDataSignature="AMtx7mjPnsPxW5wZ3y7xFk8G9seIHFSGGw=="/>
     </p:ext>
   </p:extLst>
 </p:presentation>
@@ -3328,7 +3330,7 @@
   <p:cSld>
     <p:spTree>
       <p:nvGrpSpPr>
-        <p:cNvPr id="1" name="Shape 498"/>
+        <p:cNvPr id="1" name="Shape 510"/>
         <p:cNvGrpSpPr/>
         <p:nvPr/>
       </p:nvGrpSpPr>
@@ -3342,7 +3344,7 @@
       </p:grpSpPr>
       <p:sp>
         <p:nvSpPr>
-          <p:cNvPr id="499" name="Google Shape;499;g33c263190d2_1_134:notes"/>
+          <p:cNvPr id="511" name="Google Shape;511;g33c263190d2_1_146:notes"/>
           <p:cNvSpPr>
             <a:spLocks noGrp="1" noRot="1" noChangeAspect="1"/>
           </p:cNvSpPr>
@@ -3393,7 +3395,7 @@
       </p:sp>
       <p:sp>
         <p:nvSpPr>
-          <p:cNvPr id="500" name="Google Shape;500;g33c263190d2_1_134:notes"/>
+          <p:cNvPr id="512" name="Google Shape;512;g33c263190d2_1_146:notes"/>
           <p:cNvSpPr txBox="1">
             <a:spLocks noGrp="1"/>
           </p:cNvSpPr>
@@ -3450,7 +3452,7 @@
   <p:cSld>
     <p:spTree>
       <p:nvGrpSpPr>
-        <p:cNvPr id="1" name="Shape 510"/>
+        <p:cNvPr id="1" name="Shape 387"/>
         <p:cNvGrpSpPr/>
         <p:nvPr/>
       </p:nvGrpSpPr>
@@ -3464,7 +3466,7 @@
       </p:grpSpPr>
       <p:sp>
         <p:nvSpPr>
-          <p:cNvPr id="511" name="Google Shape;511;g33c263190d2_1_146:notes"/>
+          <p:cNvPr id="388" name="Google Shape;388;p19:notes"/>
           <p:cNvSpPr>
             <a:spLocks noGrp="1" noRot="1" noChangeAspect="1"/>
           </p:cNvSpPr>
@@ -3515,7 +3517,7 @@
       </p:sp>
       <p:sp>
         <p:nvSpPr>
-          <p:cNvPr id="512" name="Google Shape;512;g33c263190d2_1_146:notes"/>
+          <p:cNvPr id="389" name="Google Shape;389;p19:notes"/>
           <p:cNvSpPr txBox="1">
             <a:spLocks noGrp="1"/>
           </p:cNvSpPr>
@@ -3560,6 +3562,11 @@
         </p:txBody>
       </p:sp>
     </p:spTree>
+    <p:extLst>
+      <p:ext uri="{BB962C8B-B14F-4D97-AF65-F5344CB8AC3E}">
+        <p14:creationId xmlns:p14="http://schemas.microsoft.com/office/powerpoint/2010/main" val="627090883"/>
+      </p:ext>
+    </p:extLst>
   </p:cSld>
   <p:clrMapOvr>
     <a:masterClrMapping/>
@@ -3638,128 +3645,6 @@
       <p:sp>
         <p:nvSpPr>
           <p:cNvPr id="60" name="Google Shape;60;p3:notes"/>
-          <p:cNvSpPr txBox="1">
-            <a:spLocks noGrp="1"/>
-          </p:cNvSpPr>
-          <p:nvPr>
-            <p:ph type="body" idx="1"/>
-          </p:nvPr>
-        </p:nvSpPr>
-        <p:spPr>
-          <a:xfrm>
-            <a:off x="685800" y="4343400"/>
-            <a:ext cx="5486400" cy="4114800"/>
-          </a:xfrm>
-          <a:prstGeom prst="rect">
-            <a:avLst/>
-          </a:prstGeom>
-          <a:noFill/>
-          <a:ln>
-            <a:noFill/>
-          </a:ln>
-        </p:spPr>
-        <p:txBody>
-          <a:bodyPr spcFirstLastPara="1" wrap="square" lIns="91425" tIns="91425" rIns="91425" bIns="91425" anchor="t" anchorCtr="0">
-            <a:noAutofit/>
-          </a:bodyPr>
-          <a:lstStyle/>
-          <a:p>
-            <a:pPr marL="0" lvl="0" indent="0" algn="l" rtl="0">
-              <a:lnSpc>
-                <a:spcPct val="100000"/>
-              </a:lnSpc>
-              <a:spcBef>
-                <a:spcPts val="0"/>
-              </a:spcBef>
-              <a:spcAft>
-                <a:spcPts val="0"/>
-              </a:spcAft>
-              <a:buSzPts val="1100"/>
-              <a:buNone/>
-            </a:pPr>
-            <a:endParaRPr/>
-          </a:p>
-        </p:txBody>
-      </p:sp>
-    </p:spTree>
-  </p:cSld>
-  <p:clrMapOvr>
-    <a:masterClrMapping/>
-  </p:clrMapOvr>
-</p:notes>
-</file>
-
-<file path=ppt/notesSlides/notesSlide30.xml><?xml version="1.0" encoding="utf-8"?>
-<p:notes xmlns:a="http://schemas.openxmlformats.org/drawingml/2006/main" xmlns:r="http://schemas.openxmlformats.org/officeDocument/2006/relationships" xmlns:p="http://schemas.openxmlformats.org/presentationml/2006/main" showMasterSp="0" showMasterPhAnim="0">
-  <p:cSld>
-    <p:spTree>
-      <p:nvGrpSpPr>
-        <p:cNvPr id="1" name="Shape 520"/>
-        <p:cNvGrpSpPr/>
-        <p:nvPr/>
-      </p:nvGrpSpPr>
-      <p:grpSpPr>
-        <a:xfrm>
-          <a:off x="0" y="0"/>
-          <a:ext cx="0" cy="0"/>
-          <a:chOff x="0" y="0"/>
-          <a:chExt cx="0" cy="0"/>
-        </a:xfrm>
-      </p:grpSpPr>
-      <p:sp>
-        <p:nvSpPr>
-          <p:cNvPr id="521" name="Google Shape;521;p27:notes"/>
-          <p:cNvSpPr>
-            <a:spLocks noGrp="1" noRot="1" noChangeAspect="1"/>
-          </p:cNvSpPr>
-          <p:nvPr>
-            <p:ph type="sldImg" idx="2"/>
-          </p:nvPr>
-        </p:nvSpPr>
-        <p:spPr>
-          <a:xfrm>
-            <a:off x="381000" y="685800"/>
-            <a:ext cx="6096000" cy="3429000"/>
-          </a:xfrm>
-          <a:custGeom>
-            <a:avLst/>
-            <a:gdLst/>
-            <a:ahLst/>
-            <a:cxnLst/>
-            <a:rect l="l" t="t" r="r" b="b"/>
-            <a:pathLst>
-              <a:path w="120000" h="120000" extrusionOk="0">
-                <a:moveTo>
-                  <a:pt x="0" y="0"/>
-                </a:moveTo>
-                <a:lnTo>
-                  <a:pt x="120000" y="0"/>
-                </a:lnTo>
-                <a:lnTo>
-                  <a:pt x="120000" y="120000"/>
-                </a:lnTo>
-                <a:lnTo>
-                  <a:pt x="0" y="120000"/>
-                </a:lnTo>
-                <a:close/>
-              </a:path>
-            </a:pathLst>
-          </a:custGeom>
-          <a:noFill/>
-          <a:ln w="9525" cap="flat" cmpd="sng">
-            <a:solidFill>
-              <a:srgbClr val="000000"/>
-            </a:solidFill>
-            <a:prstDash val="solid"/>
-            <a:round/>
-            <a:headEnd type="none" w="sm" len="sm"/>
-            <a:tailEnd type="none" w="sm" len="sm"/>
-          </a:ln>
-        </p:spPr>
-      </p:sp>
-      <p:sp>
-        <p:nvSpPr>
-          <p:cNvPr id="522" name="Google Shape;522;p27:notes"/>
           <p:cNvSpPr txBox="1">
             <a:spLocks noGrp="1"/>
           </p:cNvSpPr>
@@ -10992,31 +10877,17 @@
                 <a:cs typeface="Arial"/>
                 <a:sym typeface="Arial"/>
               </a:rPr>
-              <a:t>Vector </a:t>
-            </a:r>
-          </a:p>
-          <a:p>
-            <a:pPr marL="0" marR="0" lvl="0" indent="0" algn="ctr" rtl="0">
-              <a:lnSpc>
-                <a:spcPct val="100000"/>
-              </a:lnSpc>
-              <a:spcBef>
-                <a:spcPts val="0"/>
-              </a:spcBef>
-              <a:spcAft>
-                <a:spcPts val="0"/>
-              </a:spcAft>
-              <a:buNone/>
-            </a:pPr>
+              <a:t>Emb</a:t>
+            </a:r>
             <a:r>
               <a:rPr lang="en-US" sz="900" dirty="0">
                 <a:solidFill>
                   <a:schemeClr val="dk1"/>
                 </a:solidFill>
               </a:rPr>
-              <a:t>Representation</a:t>
-            </a:r>
-            <a:endParaRPr sz="900" b="0" i="0" u="none" strike="noStrike" cap="none" dirty="0">
+              <a:t>edding</a:t>
+            </a:r>
+            <a:endParaRPr lang="en-US" sz="900" b="0" i="0" u="none" strike="noStrike" cap="none" dirty="0">
               <a:solidFill>
                 <a:schemeClr val="dk1"/>
               </a:solidFill>
@@ -11025,6 +10896,32 @@
               <a:cs typeface="Arial"/>
               <a:sym typeface="Arial"/>
             </a:endParaRPr>
+          </a:p>
+          <a:p>
+            <a:pPr marL="0" marR="0" lvl="0" indent="0" algn="ctr" rtl="0">
+              <a:lnSpc>
+                <a:spcPct val="100000"/>
+              </a:lnSpc>
+              <a:spcBef>
+                <a:spcPts val="0"/>
+              </a:spcBef>
+              <a:spcAft>
+                <a:spcPts val="0"/>
+              </a:spcAft>
+              <a:buNone/>
+            </a:pPr>
+            <a:r>
+              <a:rPr lang="en-US" sz="900" b="0" i="0" u="none" strike="noStrike" cap="none" dirty="0">
+                <a:solidFill>
+                  <a:schemeClr val="dk1"/>
+                </a:solidFill>
+                <a:latin typeface="Arial"/>
+                <a:ea typeface="Arial"/>
+                <a:cs typeface="Arial"/>
+                <a:sym typeface="Arial"/>
+              </a:rPr>
+              <a:t>Vector </a:t>
+            </a:r>
           </a:p>
         </p:txBody>
       </p:sp>
@@ -12868,33 +12765,33 @@
                 <a:cs typeface="Noto Sans"/>
                 <a:sym typeface="Noto Sans"/>
               </a:rPr>
+              <a:t>Embedding </a:t>
+            </a:r>
+          </a:p>
+          <a:p>
+            <a:pPr marL="0" marR="0" lvl="0" indent="0" algn="ctr" rtl="0">
+              <a:lnSpc>
+                <a:spcPct val="100000"/>
+              </a:lnSpc>
+              <a:spcBef>
+                <a:spcPts val="0"/>
+              </a:spcBef>
+              <a:spcAft>
+                <a:spcPts val="0"/>
+              </a:spcAft>
+              <a:buNone/>
+            </a:pPr>
+            <a:r>
+              <a:rPr lang="en-US" sz="300" b="0" i="0" u="none" strike="noStrike" cap="none" dirty="0">
+                <a:solidFill>
+                  <a:schemeClr val="dk1"/>
+                </a:solidFill>
+                <a:latin typeface="Noto Sans"/>
+                <a:ea typeface="Noto Sans"/>
+                <a:cs typeface="Noto Sans"/>
+                <a:sym typeface="Noto Sans"/>
+              </a:rPr>
               <a:t>Vector</a:t>
-            </a:r>
-          </a:p>
-          <a:p>
-            <a:pPr marL="0" marR="0" lvl="0" indent="0" algn="ctr" rtl="0">
-              <a:lnSpc>
-                <a:spcPct val="100000"/>
-              </a:lnSpc>
-              <a:spcBef>
-                <a:spcPts val="0"/>
-              </a:spcBef>
-              <a:spcAft>
-                <a:spcPts val="0"/>
-              </a:spcAft>
-              <a:buNone/>
-            </a:pPr>
-            <a:r>
-              <a:rPr lang="en-US" sz="300" b="0" i="0" u="none" strike="noStrike" cap="none" dirty="0">
-                <a:solidFill>
-                  <a:schemeClr val="dk1"/>
-                </a:solidFill>
-                <a:latin typeface="Noto Sans"/>
-                <a:ea typeface="Noto Sans"/>
-                <a:cs typeface="Noto Sans"/>
-                <a:sym typeface="Noto Sans"/>
-              </a:rPr>
-              <a:t>Representation</a:t>
             </a:r>
             <a:endParaRPr sz="300" b="0" i="0" u="none" strike="noStrike" cap="none" dirty="0">
               <a:solidFill>
@@ -14956,7 +14853,7 @@
               <a:buNone/>
             </a:pPr>
             <a:r>
-              <a:rPr lang="en-US" sz="300" dirty="0">
+              <a:rPr lang="en-US" altLang="ko-KR" sz="300" dirty="0">
                 <a:solidFill>
                   <a:schemeClr val="dk1"/>
                 </a:solidFill>
@@ -14965,43 +14862,34 @@
                 <a:cs typeface="Noto Sans"/>
                 <a:sym typeface="Noto Sans"/>
               </a:rPr>
+              <a:t>Embedding </a:t>
+            </a:r>
+          </a:p>
+          <a:p>
+            <a:pPr marL="0" marR="0" lvl="0" indent="0" algn="ctr" rtl="0">
+              <a:lnSpc>
+                <a:spcPct val="100000"/>
+              </a:lnSpc>
+              <a:spcBef>
+                <a:spcPts val="0"/>
+              </a:spcBef>
+              <a:spcAft>
+                <a:spcPts val="0"/>
+              </a:spcAft>
+              <a:buNone/>
+            </a:pPr>
+            <a:r>
+              <a:rPr lang="en-US" altLang="ko-KR" sz="300" b="0" i="0" u="none" strike="noStrike" cap="none" dirty="0">
+                <a:solidFill>
+                  <a:schemeClr val="dk1"/>
+                </a:solidFill>
+                <a:latin typeface="Noto Sans"/>
+                <a:ea typeface="Noto Sans"/>
+                <a:cs typeface="Noto Sans"/>
+                <a:sym typeface="Noto Sans"/>
+              </a:rPr>
               <a:t>Vector</a:t>
             </a:r>
-          </a:p>
-          <a:p>
-            <a:pPr marL="0" marR="0" lvl="0" indent="0" algn="ctr" rtl="0">
-              <a:lnSpc>
-                <a:spcPct val="100000"/>
-              </a:lnSpc>
-              <a:spcBef>
-                <a:spcPts val="0"/>
-              </a:spcBef>
-              <a:spcAft>
-                <a:spcPts val="0"/>
-              </a:spcAft>
-              <a:buNone/>
-            </a:pPr>
-            <a:r>
-              <a:rPr lang="en-US" sz="300" b="0" i="0" u="none" strike="noStrike" cap="none" dirty="0">
-                <a:solidFill>
-                  <a:schemeClr val="dk1"/>
-                </a:solidFill>
-                <a:latin typeface="Noto Sans"/>
-                <a:ea typeface="Noto Sans"/>
-                <a:cs typeface="Noto Sans"/>
-                <a:sym typeface="Noto Sans"/>
-              </a:rPr>
-              <a:t>Representation</a:t>
-            </a:r>
-            <a:endParaRPr sz="300" b="0" i="0" u="none" strike="noStrike" cap="none" dirty="0">
-              <a:solidFill>
-                <a:schemeClr val="dk1"/>
-              </a:solidFill>
-              <a:latin typeface="Noto Sans"/>
-              <a:ea typeface="Noto Sans"/>
-              <a:cs typeface="Noto Sans"/>
-              <a:sym typeface="Noto Sans"/>
-            </a:endParaRPr>
           </a:p>
         </p:txBody>
       </p:sp>
@@ -16550,7 +16438,7 @@
               <a:buNone/>
             </a:pPr>
             <a:r>
-              <a:rPr lang="en-US" sz="300" dirty="0">
+              <a:rPr lang="en-US" altLang="ko-KR" sz="300" dirty="0">
                 <a:solidFill>
                   <a:schemeClr val="dk1"/>
                 </a:solidFill>
@@ -16559,43 +16447,34 @@
                 <a:cs typeface="Noto Sans"/>
                 <a:sym typeface="Noto Sans"/>
               </a:rPr>
+              <a:t>Embedding </a:t>
+            </a:r>
+          </a:p>
+          <a:p>
+            <a:pPr marL="0" marR="0" lvl="0" indent="0" algn="ctr" rtl="0">
+              <a:lnSpc>
+                <a:spcPct val="100000"/>
+              </a:lnSpc>
+              <a:spcBef>
+                <a:spcPts val="0"/>
+              </a:spcBef>
+              <a:spcAft>
+                <a:spcPts val="0"/>
+              </a:spcAft>
+              <a:buNone/>
+            </a:pPr>
+            <a:r>
+              <a:rPr lang="en-US" altLang="ko-KR" sz="300" b="0" i="0" u="none" strike="noStrike" cap="none" dirty="0">
+                <a:solidFill>
+                  <a:schemeClr val="dk1"/>
+                </a:solidFill>
+                <a:latin typeface="Noto Sans"/>
+                <a:ea typeface="Noto Sans"/>
+                <a:cs typeface="Noto Sans"/>
+                <a:sym typeface="Noto Sans"/>
+              </a:rPr>
               <a:t>Vector</a:t>
             </a:r>
-          </a:p>
-          <a:p>
-            <a:pPr marL="0" marR="0" lvl="0" indent="0" algn="ctr" rtl="0">
-              <a:lnSpc>
-                <a:spcPct val="100000"/>
-              </a:lnSpc>
-              <a:spcBef>
-                <a:spcPts val="0"/>
-              </a:spcBef>
-              <a:spcAft>
-                <a:spcPts val="0"/>
-              </a:spcAft>
-              <a:buNone/>
-            </a:pPr>
-            <a:r>
-              <a:rPr lang="en-US" sz="300" b="0" i="0" u="none" strike="noStrike" cap="none" dirty="0">
-                <a:solidFill>
-                  <a:schemeClr val="dk1"/>
-                </a:solidFill>
-                <a:latin typeface="Noto Sans"/>
-                <a:ea typeface="Noto Sans"/>
-                <a:cs typeface="Noto Sans"/>
-                <a:sym typeface="Noto Sans"/>
-              </a:rPr>
-              <a:t>Representation</a:t>
-            </a:r>
-            <a:endParaRPr sz="300" b="0" i="0" u="none" strike="noStrike" cap="none" dirty="0">
-              <a:solidFill>
-                <a:schemeClr val="dk1"/>
-              </a:solidFill>
-              <a:latin typeface="Noto Sans"/>
-              <a:ea typeface="Noto Sans"/>
-              <a:cs typeface="Noto Sans"/>
-              <a:sym typeface="Noto Sans"/>
-            </a:endParaRPr>
           </a:p>
         </p:txBody>
       </p:sp>
@@ -18261,7 +18140,7 @@
               <a:buNone/>
             </a:pPr>
             <a:r>
-              <a:rPr lang="en-US" sz="300" dirty="0">
+              <a:rPr lang="en-US" altLang="ko-KR" sz="300" dirty="0">
                 <a:solidFill>
                   <a:schemeClr val="dk1"/>
                 </a:solidFill>
@@ -18270,43 +18149,34 @@
                 <a:cs typeface="Noto Sans"/>
                 <a:sym typeface="Noto Sans"/>
               </a:rPr>
+              <a:t>Embedding </a:t>
+            </a:r>
+          </a:p>
+          <a:p>
+            <a:pPr marL="0" marR="0" lvl="0" indent="0" algn="ctr" rtl="0">
+              <a:lnSpc>
+                <a:spcPct val="100000"/>
+              </a:lnSpc>
+              <a:spcBef>
+                <a:spcPts val="0"/>
+              </a:spcBef>
+              <a:spcAft>
+                <a:spcPts val="0"/>
+              </a:spcAft>
+              <a:buNone/>
+            </a:pPr>
+            <a:r>
+              <a:rPr lang="en-US" altLang="ko-KR" sz="300" b="0" i="0" u="none" strike="noStrike" cap="none" dirty="0">
+                <a:solidFill>
+                  <a:schemeClr val="dk1"/>
+                </a:solidFill>
+                <a:latin typeface="Noto Sans"/>
+                <a:ea typeface="Noto Sans"/>
+                <a:cs typeface="Noto Sans"/>
+                <a:sym typeface="Noto Sans"/>
+              </a:rPr>
               <a:t>Vector</a:t>
             </a:r>
-          </a:p>
-          <a:p>
-            <a:pPr marL="0" marR="0" lvl="0" indent="0" algn="ctr" rtl="0">
-              <a:lnSpc>
-                <a:spcPct val="100000"/>
-              </a:lnSpc>
-              <a:spcBef>
-                <a:spcPts val="0"/>
-              </a:spcBef>
-              <a:spcAft>
-                <a:spcPts val="0"/>
-              </a:spcAft>
-              <a:buNone/>
-            </a:pPr>
-            <a:r>
-              <a:rPr lang="en-US" sz="300" b="0" i="0" u="none" strike="noStrike" cap="none" dirty="0">
-                <a:solidFill>
-                  <a:schemeClr val="dk1"/>
-                </a:solidFill>
-                <a:latin typeface="Noto Sans"/>
-                <a:ea typeface="Noto Sans"/>
-                <a:cs typeface="Noto Sans"/>
-                <a:sym typeface="Noto Sans"/>
-              </a:rPr>
-              <a:t>Representation</a:t>
-            </a:r>
-            <a:endParaRPr sz="300" b="0" i="0" u="none" strike="noStrike" cap="none" dirty="0">
-              <a:solidFill>
-                <a:schemeClr val="dk1"/>
-              </a:solidFill>
-              <a:latin typeface="Noto Sans"/>
-              <a:ea typeface="Noto Sans"/>
-              <a:cs typeface="Noto Sans"/>
-              <a:sym typeface="Noto Sans"/>
-            </a:endParaRPr>
           </a:p>
         </p:txBody>
       </p:sp>
@@ -19954,7 +19824,7 @@
               <a:buNone/>
             </a:pPr>
             <a:r>
-              <a:rPr lang="en-US" sz="300" dirty="0">
+              <a:rPr lang="en-US" altLang="ko-KR" sz="300" dirty="0">
                 <a:solidFill>
                   <a:schemeClr val="dk1"/>
                 </a:solidFill>
@@ -19963,43 +19833,34 @@
                 <a:cs typeface="Noto Sans"/>
                 <a:sym typeface="Noto Sans"/>
               </a:rPr>
+              <a:t>Embedding </a:t>
+            </a:r>
+          </a:p>
+          <a:p>
+            <a:pPr marL="0" marR="0" lvl="0" indent="0" algn="ctr" rtl="0">
+              <a:lnSpc>
+                <a:spcPct val="100000"/>
+              </a:lnSpc>
+              <a:spcBef>
+                <a:spcPts val="0"/>
+              </a:spcBef>
+              <a:spcAft>
+                <a:spcPts val="0"/>
+              </a:spcAft>
+              <a:buNone/>
+            </a:pPr>
+            <a:r>
+              <a:rPr lang="en-US" altLang="ko-KR" sz="300" b="0" i="0" u="none" strike="noStrike" cap="none" dirty="0">
+                <a:solidFill>
+                  <a:schemeClr val="dk1"/>
+                </a:solidFill>
+                <a:latin typeface="Noto Sans"/>
+                <a:ea typeface="Noto Sans"/>
+                <a:cs typeface="Noto Sans"/>
+                <a:sym typeface="Noto Sans"/>
+              </a:rPr>
               <a:t>Vector</a:t>
             </a:r>
-          </a:p>
-          <a:p>
-            <a:pPr marL="0" marR="0" lvl="0" indent="0" algn="ctr" rtl="0">
-              <a:lnSpc>
-                <a:spcPct val="100000"/>
-              </a:lnSpc>
-              <a:spcBef>
-                <a:spcPts val="0"/>
-              </a:spcBef>
-              <a:spcAft>
-                <a:spcPts val="0"/>
-              </a:spcAft>
-              <a:buNone/>
-            </a:pPr>
-            <a:r>
-              <a:rPr lang="en-US" sz="300" b="0" i="0" u="none" strike="noStrike" cap="none" dirty="0">
-                <a:solidFill>
-                  <a:schemeClr val="dk1"/>
-                </a:solidFill>
-                <a:latin typeface="Noto Sans"/>
-                <a:ea typeface="Noto Sans"/>
-                <a:cs typeface="Noto Sans"/>
-                <a:sym typeface="Noto Sans"/>
-              </a:rPr>
-              <a:t>Representation</a:t>
-            </a:r>
-            <a:endParaRPr sz="300" b="0" i="0" u="none" strike="noStrike" cap="none" dirty="0">
-              <a:solidFill>
-                <a:schemeClr val="dk1"/>
-              </a:solidFill>
-              <a:latin typeface="Noto Sans"/>
-              <a:ea typeface="Noto Sans"/>
-              <a:cs typeface="Noto Sans"/>
-              <a:sym typeface="Noto Sans"/>
-            </a:endParaRPr>
           </a:p>
         </p:txBody>
       </p:sp>
@@ -20928,7 +20789,13 @@
         <p:nvGraphicFramePr>
           <p:cNvPr id="339" name="Google Shape;339;p17"/>
           <p:cNvGraphicFramePr/>
-          <p:nvPr/>
+          <p:nvPr>
+            <p:extLst>
+              <p:ext uri="{D42A27DB-BD31-4B8C-83A1-F6EECF244321}">
+                <p14:modId xmlns:p14="http://schemas.microsoft.com/office/powerpoint/2010/main" val="2955621933"/>
+              </p:ext>
+            </p:extLst>
+          </p:nvPr>
         </p:nvGraphicFramePr>
         <p:xfrm>
           <a:off x="4745782" y="1971497"/>
@@ -21006,10 +20873,10 @@
                         <a:buNone/>
                       </a:pPr>
                       <a:r>
-                        <a:rPr lang="en-US" sz="1000" b="1" u="none" strike="noStrike" cap="none"/>
+                        <a:rPr lang="en-US" sz="1000" b="1" u="none" strike="noStrike" cap="none" dirty="0"/>
                         <a:t>values</a:t>
                       </a:r>
-                      <a:endParaRPr sz="1000" b="1" u="none" strike="noStrike" cap="none"/>
+                      <a:endParaRPr sz="1000" b="1" u="none" strike="noStrike" cap="none" dirty="0"/>
                     </a:p>
                   </a:txBody>
                   <a:tcPr marL="91450" marR="91450" marT="45725" marB="45725">
@@ -21158,7 +21025,7 @@
                   </a:ext>
                 </a:extLst>
               </a:tr>
-              <a:tr h="195600">
+              <a:tr h="250983">
                 <a:tc>
                   <a:txBody>
                     <a:bodyPr/>
@@ -21274,10 +21141,10 @@
                         <a:buNone/>
                       </a:pPr>
                       <a:r>
-                        <a:rPr lang="en-US" sz="1000" u="none" strike="noStrike" cap="none"/>
+                        <a:rPr lang="en-US" sz="1000" u="none" strike="noStrike" cap="none" dirty="0"/>
                         <a:t>2e-5, 3e-5, 5e-5, 1e-4</a:t>
                       </a:r>
-                      <a:endParaRPr sz="1000" u="none" strike="noStrike" cap="none"/>
+                      <a:endParaRPr sz="1000" u="none" strike="noStrike" cap="none" dirty="0"/>
                     </a:p>
                   </a:txBody>
                   <a:tcPr marL="91450" marR="91450" marT="45725" marB="45725">
@@ -21378,10 +21245,10 @@
                         <a:buNone/>
                       </a:pPr>
                       <a:r>
-                        <a:rPr lang="en-US" sz="1000"/>
+                        <a:rPr lang="en-US" sz="1000" dirty="0"/>
                         <a:t>dropout</a:t>
                       </a:r>
-                      <a:endParaRPr sz="1000" u="none" strike="noStrike" cap="none"/>
+                      <a:endParaRPr sz="1000" u="none" strike="noStrike" cap="none" dirty="0"/>
                     </a:p>
                   </a:txBody>
                   <a:tcPr marL="91450" marR="91450" marT="45725" marB="45725">
@@ -21408,10 +21275,10 @@
                         <a:buNone/>
                       </a:pPr>
                       <a:r>
-                        <a:rPr lang="en-US" sz="1000"/>
+                        <a:rPr lang="en-US" sz="1000" dirty="0"/>
                         <a:t>0.1</a:t>
                       </a:r>
-                      <a:endParaRPr sz="1000" u="none" strike="noStrike" cap="none"/>
+                      <a:endParaRPr sz="1000" u="none" strike="noStrike" cap="none" dirty="0"/>
                     </a:p>
                   </a:txBody>
                   <a:tcPr marL="91450" marR="91450" marT="45725" marB="45725">
@@ -22469,7 +22336,52 @@
                 <a:cs typeface="Noto Sans" panose="020B0502040504020204" pitchFamily="34" charset="0"/>
                 <a:sym typeface="Noto Sans"/>
               </a:rPr>
-              <a:t>Train loss: 1.4</a:t>
+              <a:t>Train loss</a:t>
+            </a:r>
+            <a:r>
+              <a:rPr lang="ko-KR" altLang="en-US" sz="1400" b="0" i="0" dirty="0">
+                <a:solidFill>
+                  <a:srgbClr val="353535"/>
+                </a:solidFill>
+                <a:effectLst/>
+                <a:latin typeface="Noto Sans" panose="020B0502040504020204" pitchFamily="34" charset="0"/>
+                <a:cs typeface="Noto Sans" panose="020B0502040504020204" pitchFamily="34" charset="0"/>
+              </a:rPr>
+              <a:t> </a:t>
+            </a:r>
+            <a:r>
+              <a:rPr lang="ko-KR" altLang="en-US" sz="1100" b="0" i="0" dirty="0">
+                <a:solidFill>
+                  <a:srgbClr val="353535"/>
+                </a:solidFill>
+                <a:effectLst/>
+                <a:latin typeface="Noto Sans" panose="020B0502040504020204" pitchFamily="34" charset="0"/>
+                <a:cs typeface="Noto Sans" panose="020B0502040504020204" pitchFamily="34" charset="0"/>
+              </a:rPr>
+              <a:t>≈</a:t>
+            </a:r>
+            <a:r>
+              <a:rPr lang="ko-KR" altLang="en-US" sz="1400" b="0" i="0" dirty="0">
+                <a:solidFill>
+                  <a:srgbClr val="353535"/>
+                </a:solidFill>
+                <a:effectLst/>
+                <a:latin typeface="Noto Sans" panose="020B0502040504020204" pitchFamily="34" charset="0"/>
+                <a:cs typeface="Noto Sans" panose="020B0502040504020204" pitchFamily="34" charset="0"/>
+              </a:rPr>
+              <a:t> </a:t>
+            </a:r>
+            <a:r>
+              <a:rPr lang="en-US" sz="1100" b="0" i="0" u="none" strike="noStrike" cap="none" dirty="0">
+                <a:solidFill>
+                  <a:srgbClr val="191919"/>
+                </a:solidFill>
+                <a:latin typeface="Noto Sans" panose="020B0502040504020204" pitchFamily="34" charset="0"/>
+                <a:ea typeface="Noto Sans" panose="020B0502040504020204" pitchFamily="34" charset="0"/>
+                <a:cs typeface="Noto Sans" panose="020B0502040504020204" pitchFamily="34" charset="0"/>
+                <a:sym typeface="Noto Sans"/>
+              </a:rPr>
+              <a:t>1.4</a:t>
             </a:r>
             <a:endParaRPr dirty="0">
               <a:latin typeface="Noto Sans" panose="020B0502040504020204" pitchFamily="34" charset="0"/>
@@ -22505,7 +22417,41 @@
                 <a:cs typeface="Noto Sans" panose="020B0502040504020204" pitchFamily="34" charset="0"/>
                 <a:sym typeface="Noto Sans"/>
               </a:rPr>
-              <a:t>Validation accuracy: 0.84</a:t>
+              <a:t>Validation accuracy </a:t>
+            </a:r>
+            <a:r>
+              <a:rPr lang="ko-KR" altLang="en-US" sz="1100" b="0" i="0" dirty="0">
+                <a:solidFill>
+                  <a:srgbClr val="353535"/>
+                </a:solidFill>
+                <a:effectLst/>
+                <a:latin typeface="Noto Sans" panose="020B0502040504020204" pitchFamily="34" charset="0"/>
+                <a:cs typeface="Noto Sans" panose="020B0502040504020204" pitchFamily="34" charset="0"/>
+              </a:rPr>
+              <a:t>≈</a:t>
+            </a:r>
+            <a:r>
+              <a:rPr lang="ko-KR" altLang="en-US" sz="1400" b="0" i="0" dirty="0">
+                <a:solidFill>
+                  <a:srgbClr val="353535"/>
+                </a:solidFill>
+                <a:effectLst/>
+                <a:latin typeface="Noto Sans" panose="020B0502040504020204" pitchFamily="34" charset="0"/>
+                <a:cs typeface="Noto Sans" panose="020B0502040504020204" pitchFamily="34" charset="0"/>
+              </a:rPr>
+              <a:t> </a:t>
+            </a:r>
+            <a:r>
+              <a:rPr lang="en-US" sz="1100" b="0" i="0" u="none" strike="noStrike" cap="none" dirty="0">
+                <a:solidFill>
+                  <a:srgbClr val="191919"/>
+                </a:solidFill>
+                <a:latin typeface="Noto Sans" panose="020B0502040504020204" pitchFamily="34" charset="0"/>
+                <a:ea typeface="Noto Sans" panose="020B0502040504020204" pitchFamily="34" charset="0"/>
+                <a:cs typeface="Noto Sans" panose="020B0502040504020204" pitchFamily="34" charset="0"/>
+                <a:sym typeface="Noto Sans"/>
+              </a:rPr>
+              <a:t>0.84</a:t>
             </a:r>
             <a:endParaRPr dirty="0">
               <a:latin typeface="Noto Sans" panose="020B0502040504020204" pitchFamily="34" charset="0"/>
@@ -23207,7 +23153,26 @@
                 <a:ea typeface="Noto Sans" panose="020B0502040504020204" pitchFamily="34" charset="0"/>
                 <a:cs typeface="Noto Sans" panose="020B0502040504020204" pitchFamily="34" charset="0"/>
               </a:rPr>
-              <a:t>Validation loss: </a:t>
+              <a:t>Validation loss</a:t>
+            </a:r>
+            <a:r>
+              <a:rPr lang="ko-KR" altLang="en-US" sz="1000" b="0" i="0" dirty="0">
+                <a:solidFill>
+                  <a:srgbClr val="353535"/>
+                </a:solidFill>
+                <a:effectLst/>
+                <a:latin typeface="Noto Sans" panose="020B0502040504020204" pitchFamily="34" charset="0"/>
+                <a:cs typeface="Noto Sans" panose="020B0502040504020204" pitchFamily="34" charset="0"/>
+              </a:rPr>
+              <a:t> ≈</a:t>
+            </a:r>
+            <a:r>
+              <a:rPr lang="en-US" altLang="ko-KR" sz="1000" dirty="0">
+                <a:latin typeface="Noto Sans" panose="020B0502040504020204" pitchFamily="34" charset="0"/>
+                <a:ea typeface="Noto Sans" panose="020B0502040504020204" pitchFamily="34" charset="0"/>
+                <a:cs typeface="Noto Sans" panose="020B0502040504020204" pitchFamily="34" charset="0"/>
+              </a:rPr>
+              <a:t> </a:t>
             </a:r>
             <a:r>
               <a:rPr lang="en-US" altLang="ko-KR" sz="1000" b="1" dirty="0">
@@ -23240,7 +23205,26 @@
                 <a:ea typeface="Noto Sans" panose="020B0502040504020204" pitchFamily="34" charset="0"/>
                 <a:cs typeface="Noto Sans" panose="020B0502040504020204" pitchFamily="34" charset="0"/>
               </a:rPr>
-              <a:t>Test loss: </a:t>
+              <a:t>Test loss</a:t>
+            </a:r>
+            <a:r>
+              <a:rPr lang="ko-KR" altLang="en-US" sz="1000" b="0" i="0" dirty="0">
+                <a:solidFill>
+                  <a:srgbClr val="353535"/>
+                </a:solidFill>
+                <a:effectLst/>
+                <a:latin typeface="Noto Sans" panose="020B0502040504020204" pitchFamily="34" charset="0"/>
+                <a:cs typeface="Noto Sans" panose="020B0502040504020204" pitchFamily="34" charset="0"/>
+              </a:rPr>
+              <a:t> ≈</a:t>
+            </a:r>
+            <a:r>
+              <a:rPr lang="en-US" altLang="ko-KR" sz="1000" dirty="0">
+                <a:latin typeface="Noto Sans" panose="020B0502040504020204" pitchFamily="34" charset="0"/>
+                <a:ea typeface="Noto Sans" panose="020B0502040504020204" pitchFamily="34" charset="0"/>
+                <a:cs typeface="Noto Sans" panose="020B0502040504020204" pitchFamily="34" charset="0"/>
+              </a:rPr>
+              <a:t> </a:t>
             </a:r>
             <a:r>
               <a:rPr lang="en-US" altLang="ko-KR" sz="1000" b="1" dirty="0">
@@ -23278,7 +23262,26 @@
                 <a:ea typeface="Noto Sans" panose="020B0502040504020204" pitchFamily="34" charset="0"/>
                 <a:cs typeface="Noto Sans" panose="020B0502040504020204" pitchFamily="34" charset="0"/>
               </a:rPr>
-              <a:t>Validation accuracy: </a:t>
+              <a:t>Validation accuracy</a:t>
+            </a:r>
+            <a:r>
+              <a:rPr lang="ko-KR" altLang="en-US" sz="1000" b="0" i="0" dirty="0">
+                <a:solidFill>
+                  <a:srgbClr val="353535"/>
+                </a:solidFill>
+                <a:effectLst/>
+                <a:latin typeface="Noto Sans" panose="020B0502040504020204" pitchFamily="34" charset="0"/>
+                <a:cs typeface="Noto Sans" panose="020B0502040504020204" pitchFamily="34" charset="0"/>
+              </a:rPr>
+              <a:t> ≈</a:t>
+            </a:r>
+            <a:r>
+              <a:rPr lang="en-US" altLang="ko-KR" sz="1000" dirty="0">
+                <a:latin typeface="Noto Sans" panose="020B0502040504020204" pitchFamily="34" charset="0"/>
+                <a:ea typeface="Noto Sans" panose="020B0502040504020204" pitchFamily="34" charset="0"/>
+                <a:cs typeface="Noto Sans" panose="020B0502040504020204" pitchFamily="34" charset="0"/>
+              </a:rPr>
+              <a:t> </a:t>
             </a:r>
             <a:r>
               <a:rPr lang="en-US" altLang="ko-KR" sz="1000" b="1" dirty="0">
@@ -23311,7 +23314,26 @@
                 <a:ea typeface="Noto Sans" panose="020B0502040504020204" pitchFamily="34" charset="0"/>
                 <a:cs typeface="Noto Sans" panose="020B0502040504020204" pitchFamily="34" charset="0"/>
               </a:rPr>
-              <a:t>Test accuracy: </a:t>
+              <a:t>Test accuracy</a:t>
+            </a:r>
+            <a:r>
+              <a:rPr lang="ko-KR" altLang="en-US" sz="1000" b="0" i="0" dirty="0">
+                <a:solidFill>
+                  <a:srgbClr val="353535"/>
+                </a:solidFill>
+                <a:effectLst/>
+                <a:latin typeface="Noto Sans" panose="020B0502040504020204" pitchFamily="34" charset="0"/>
+                <a:cs typeface="Noto Sans" panose="020B0502040504020204" pitchFamily="34" charset="0"/>
+              </a:rPr>
+              <a:t> ≈</a:t>
+            </a:r>
+            <a:r>
+              <a:rPr lang="en-US" altLang="ko-KR" sz="1000" dirty="0">
+                <a:latin typeface="Noto Sans" panose="020B0502040504020204" pitchFamily="34" charset="0"/>
+                <a:ea typeface="Noto Sans" panose="020B0502040504020204" pitchFamily="34" charset="0"/>
+                <a:cs typeface="Noto Sans" panose="020B0502040504020204" pitchFamily="34" charset="0"/>
+              </a:rPr>
+              <a:t> </a:t>
             </a:r>
             <a:r>
               <a:rPr lang="en-US" altLang="ko-KR" sz="1000" b="1" dirty="0">
@@ -24008,8 +24030,8 @@
         </p:nvSpPr>
         <p:spPr>
           <a:xfrm>
-            <a:off x="636060" y="1551648"/>
-            <a:ext cx="7368900" cy="461624"/>
+            <a:off x="636060" y="1572537"/>
+            <a:ext cx="7368900" cy="830956"/>
           </a:xfrm>
           <a:prstGeom prst="rect">
             <a:avLst/>
@@ -24144,7 +24166,18 @@
                 <a:cs typeface="Noto Sans"/>
                 <a:sym typeface="Noto Sans"/>
               </a:rPr>
-              <a:t>Validation accuracy=</a:t>
+              <a:t>Validation accuracy</a:t>
+            </a:r>
+            <a:r>
+              <a:rPr lang="ko-KR" altLang="en-US" sz="1200" b="0" i="0" dirty="0">
+                <a:solidFill>
+                  <a:srgbClr val="353535"/>
+                </a:solidFill>
+                <a:effectLst/>
+                <a:latin typeface="Noto Sans" panose="020B0502040504020204" pitchFamily="34" charset="0"/>
+                <a:cs typeface="Noto Sans" panose="020B0502040504020204" pitchFamily="34" charset="0"/>
+              </a:rPr>
+              <a:t> ≈ </a:t>
             </a:r>
             <a:r>
               <a:rPr lang="en-US" sz="1200" b="1" i="0" u="none" strike="noStrike" cap="none" dirty="0">
@@ -24168,7 +24201,18 @@
                 <a:cs typeface="Noto Sans"/>
                 <a:sym typeface="Noto Sans"/>
               </a:rPr>
-              <a:t>, Test accuracy=</a:t>
+              <a:t>, Test accuracy</a:t>
+            </a:r>
+            <a:r>
+              <a:rPr lang="ko-KR" altLang="en-US" sz="1200" b="0" i="0" dirty="0">
+                <a:solidFill>
+                  <a:srgbClr val="353535"/>
+                </a:solidFill>
+                <a:effectLst/>
+                <a:latin typeface="Noto Sans" panose="020B0502040504020204" pitchFamily="34" charset="0"/>
+                <a:cs typeface="Noto Sans" panose="020B0502040504020204" pitchFamily="34" charset="0"/>
+              </a:rPr>
+              <a:t> ≈ </a:t>
             </a:r>
             <a:r>
               <a:rPr lang="en-US" sz="1200" b="1" i="0" u="none" strike="noStrike" cap="none" dirty="0">
@@ -24182,151 +24226,80 @@
               </a:rPr>
               <a:t>0.83</a:t>
             </a:r>
+          </a:p>
+          <a:p>
+            <a:pPr marL="171450" indent="-171450">
+              <a:buSzPts val="1400"/>
+              <a:buFont typeface="Arial"/>
+              <a:buChar char="•"/>
+            </a:pPr>
+            <a:r>
+              <a:rPr lang="en-US" altLang="ko-KR" sz="1200" dirty="0" err="1">
+                <a:latin typeface="Noto Sans" panose="020B0502040504020204" pitchFamily="34" charset="0"/>
+                <a:ea typeface="Noto Sans" panose="020B0502040504020204" pitchFamily="34" charset="0"/>
+                <a:cs typeface="Noto Sans" panose="020B0502040504020204" pitchFamily="34" charset="0"/>
+              </a:rPr>
+              <a:t>WandB</a:t>
+            </a:r>
+            <a:r>
+              <a:rPr lang="ko-KR" altLang="en-US" sz="1200" dirty="0">
+                <a:latin typeface="Noto Sans" panose="020B0502040504020204" pitchFamily="34" charset="0"/>
+                <a:cs typeface="Noto Sans" panose="020B0502040504020204" pitchFamily="34" charset="0"/>
+              </a:rPr>
+              <a:t>를 활용해 </a:t>
+            </a:r>
+            <a:r>
+              <a:rPr lang="ko-KR" altLang="en-US" sz="1200" dirty="0" err="1">
+                <a:latin typeface="Noto Sans" panose="020B0502040504020204" pitchFamily="34" charset="0"/>
+                <a:cs typeface="Noto Sans" panose="020B0502040504020204" pitchFamily="34" charset="0"/>
+              </a:rPr>
+              <a:t>하이퍼파라미터</a:t>
+            </a:r>
+            <a:r>
+              <a:rPr lang="ko-KR" altLang="en-US" sz="1200" dirty="0">
+                <a:latin typeface="Noto Sans" panose="020B0502040504020204" pitchFamily="34" charset="0"/>
+                <a:cs typeface="Noto Sans" panose="020B0502040504020204" pitchFamily="34" charset="0"/>
+              </a:rPr>
+              <a:t> 튜닝과정을 로깅</a:t>
+            </a:r>
+            <a:r>
+              <a:rPr lang="en-US" altLang="ko-KR" sz="1200" dirty="0">
+                <a:latin typeface="Noto Sans" panose="020B0502040504020204" pitchFamily="34" charset="0"/>
+                <a:cs typeface="Noto Sans" panose="020B0502040504020204" pitchFamily="34" charset="0"/>
+              </a:rPr>
+              <a:t>, </a:t>
+            </a:r>
+            <a:r>
+              <a:rPr lang="ko-KR" altLang="en-US" sz="1200" dirty="0">
+                <a:latin typeface="Noto Sans" panose="020B0502040504020204" pitchFamily="34" charset="0"/>
+                <a:cs typeface="Noto Sans" panose="020B0502040504020204" pitchFamily="34" charset="0"/>
+              </a:rPr>
+              <a:t>시각화를 통해 성능 비교</a:t>
+            </a:r>
+            <a:endParaRPr lang="en-US" altLang="ko-KR" sz="1200" dirty="0">
+              <a:latin typeface="Noto Sans" panose="020B0502040504020204" pitchFamily="34" charset="0"/>
+              <a:cs typeface="Noto Sans" panose="020B0502040504020204" pitchFamily="34" charset="0"/>
+            </a:endParaRPr>
+          </a:p>
+          <a:p>
+            <a:pPr marL="171450" marR="0" lvl="0" indent="-171450" algn="l" rtl="0">
+              <a:lnSpc>
+                <a:spcPct val="100000"/>
+              </a:lnSpc>
+              <a:spcBef>
+                <a:spcPts val="0"/>
+              </a:spcBef>
+              <a:spcAft>
+                <a:spcPts val="0"/>
+              </a:spcAft>
+              <a:buClr>
+                <a:srgbClr val="000000"/>
+              </a:buClr>
+              <a:buSzPts val="1400"/>
+              <a:buFont typeface="Arial"/>
+              <a:buChar char="•"/>
+            </a:pPr>
             <a:endParaRPr sz="1200" dirty="0"/>
-          </a:p>
-        </p:txBody>
-      </p:sp>
-      <p:sp>
-        <p:nvSpPr>
-          <p:cNvPr id="2" name="Google Shape;429;g33c263190d2_3_38">
-            <a:extLst>
-              <a:ext uri="{FF2B5EF4-FFF2-40B4-BE49-F238E27FC236}">
-                <a16:creationId xmlns:a16="http://schemas.microsoft.com/office/drawing/2014/main" id="{3CE99BDC-DCB8-471E-EB89-8E4C3786D4CC}"/>
-              </a:ext>
-            </a:extLst>
-          </p:cNvPr>
-          <p:cNvSpPr txBox="1"/>
-          <p:nvPr/>
-        </p:nvSpPr>
-        <p:spPr>
-          <a:xfrm>
-            <a:off x="636060" y="1242682"/>
-            <a:ext cx="2404800" cy="401700"/>
-          </a:xfrm>
-          <a:prstGeom prst="rect">
-            <a:avLst/>
-          </a:prstGeom>
-          <a:noFill/>
-          <a:ln>
-            <a:noFill/>
-          </a:ln>
-        </p:spPr>
-        <p:txBody>
-          <a:bodyPr spcFirstLastPara="1" wrap="square" lIns="91425" tIns="91425" rIns="91425" bIns="91425" anchor="t" anchorCtr="0">
-            <a:noAutofit/>
-          </a:bodyPr>
-          <a:lstStyle/>
-          <a:p>
-            <a:pPr marL="0" marR="0" lvl="0" indent="0" algn="l" rtl="0">
-              <a:lnSpc>
-                <a:spcPct val="100000"/>
-              </a:lnSpc>
-              <a:spcBef>
-                <a:spcPts val="0"/>
-              </a:spcBef>
-              <a:spcAft>
-                <a:spcPts val="0"/>
-              </a:spcAft>
-              <a:buClr>
-                <a:schemeClr val="dk1"/>
-              </a:buClr>
-              <a:buSzPts val="1300"/>
-              <a:buFont typeface="Quicksand"/>
-              <a:buNone/>
-            </a:pPr>
-            <a:r>
-              <a:rPr lang="en-US" sz="1300" b="1" i="0" u="none" strike="noStrike" cap="none" dirty="0">
-                <a:solidFill>
-                  <a:srgbClr val="191919"/>
-                </a:solidFill>
-                <a:latin typeface="Noto Sans"/>
-                <a:ea typeface="Noto Sans"/>
-                <a:cs typeface="Noto Sans"/>
-                <a:sym typeface="Noto Sans"/>
-              </a:rPr>
-              <a:t>conclusion</a:t>
-            </a:r>
-            <a:endParaRPr sz="1100" b="1" i="0" u="none" strike="noStrike" cap="none" dirty="0">
-              <a:solidFill>
-                <a:srgbClr val="191919"/>
-              </a:solidFill>
-              <a:latin typeface="Noto Sans"/>
-              <a:ea typeface="Noto Sans"/>
-              <a:cs typeface="Noto Sans"/>
-              <a:sym typeface="Noto Sans"/>
-            </a:endParaRPr>
-          </a:p>
-        </p:txBody>
-      </p:sp>
-      <p:sp>
-        <p:nvSpPr>
-          <p:cNvPr id="3" name="Google Shape;429;g33c263190d2_3_38">
-            <a:extLst>
-              <a:ext uri="{FF2B5EF4-FFF2-40B4-BE49-F238E27FC236}">
-                <a16:creationId xmlns:a16="http://schemas.microsoft.com/office/drawing/2014/main" id="{2142C0C7-7EAC-9A0F-9C23-82A540D7B41A}"/>
-              </a:ext>
-            </a:extLst>
-          </p:cNvPr>
-          <p:cNvSpPr txBox="1"/>
-          <p:nvPr/>
-        </p:nvSpPr>
-        <p:spPr>
-          <a:xfrm>
-            <a:off x="636060" y="2205774"/>
-            <a:ext cx="2404800" cy="401700"/>
-          </a:xfrm>
-          <a:prstGeom prst="rect">
-            <a:avLst/>
-          </a:prstGeom>
-          <a:noFill/>
-          <a:ln>
-            <a:noFill/>
-          </a:ln>
-        </p:spPr>
-        <p:txBody>
-          <a:bodyPr spcFirstLastPara="1" wrap="square" lIns="91425" tIns="91425" rIns="91425" bIns="91425" anchor="t" anchorCtr="0">
-            <a:noAutofit/>
-          </a:bodyPr>
-          <a:lstStyle/>
-          <a:p>
-            <a:pPr marL="0" marR="0" lvl="0" indent="0" algn="l" rtl="0">
-              <a:lnSpc>
-                <a:spcPct val="100000"/>
-              </a:lnSpc>
-              <a:spcBef>
-                <a:spcPts val="0"/>
-              </a:spcBef>
-              <a:spcAft>
-                <a:spcPts val="0"/>
-              </a:spcAft>
-              <a:buClr>
-                <a:schemeClr val="dk1"/>
-              </a:buClr>
-              <a:buSzPts val="1300"/>
-              <a:buFont typeface="Quicksand"/>
-              <a:buNone/>
-            </a:pPr>
-            <a:r>
-              <a:rPr lang="en-US" sz="1300" b="1" i="0" u="none" strike="noStrike" cap="none" dirty="0">
-                <a:solidFill>
-                  <a:srgbClr val="191919"/>
-                </a:solidFill>
-                <a:latin typeface="Noto Sans"/>
-                <a:ea typeface="Noto Sans"/>
-                <a:cs typeface="Noto Sans"/>
-                <a:sym typeface="Noto Sans"/>
-              </a:rPr>
-              <a:t>opinion</a:t>
-            </a:r>
-            <a:endParaRPr sz="1100" b="1" i="0" u="none" strike="noStrike" cap="none" dirty="0">
-              <a:solidFill>
-                <a:srgbClr val="191919"/>
-              </a:solidFill>
-              <a:latin typeface="Noto Sans"/>
-              <a:ea typeface="Noto Sans"/>
-              <a:cs typeface="Noto Sans"/>
-              <a:sym typeface="Noto Sans"/>
-            </a:endParaRPr>
           </a:p>
         </p:txBody>
       </p:sp>
@@ -24344,7 +24317,7 @@
         </p:nvSpPr>
         <p:spPr>
           <a:xfrm>
-            <a:off x="636060" y="2607474"/>
+            <a:off x="636060" y="2671428"/>
             <a:ext cx="7368900" cy="646290"/>
           </a:xfrm>
           <a:prstGeom prst="rect">
@@ -24379,47 +24352,18 @@
               <a:buChar char="•"/>
             </a:pPr>
             <a:r>
-              <a:rPr lang="en-US" sz="1200" dirty="0" err="1">
+              <a:rPr lang="ko-KR" altLang="en-US" sz="1200" dirty="0" err="1">
                 <a:latin typeface="Noto Sans" panose="020B0502040504020204" pitchFamily="34" charset="0"/>
-                <a:ea typeface="Noto Sans" panose="020B0502040504020204" pitchFamily="34" charset="0"/>
                 <a:cs typeface="Noto Sans" panose="020B0502040504020204" pitchFamily="34" charset="0"/>
               </a:rPr>
-              <a:t>WandB</a:t>
+              <a:t>하이퍼파라미터</a:t>
             </a:r>
             <a:r>
               <a:rPr lang="ko-KR" altLang="en-US" sz="1200" dirty="0">
                 <a:latin typeface="Noto Sans" panose="020B0502040504020204" pitchFamily="34" charset="0"/>
                 <a:cs typeface="Noto Sans" panose="020B0502040504020204" pitchFamily="34" charset="0"/>
               </a:rPr>
-              <a:t>를 활용해 </a:t>
-            </a:r>
-            <a:r>
-              <a:rPr lang="ko-KR" altLang="en-US" sz="1200" dirty="0" err="1">
-                <a:latin typeface="Noto Sans" panose="020B0502040504020204" pitchFamily="34" charset="0"/>
-                <a:cs typeface="Noto Sans" panose="020B0502040504020204" pitchFamily="34" charset="0"/>
-              </a:rPr>
-              <a:t>하이퍼파라미터</a:t>
-            </a:r>
-            <a:r>
-              <a:rPr lang="ko-KR" altLang="en-US" sz="1200" dirty="0">
-                <a:latin typeface="Noto Sans" panose="020B0502040504020204" pitchFamily="34" charset="0"/>
-                <a:cs typeface="Noto Sans" panose="020B0502040504020204" pitchFamily="34" charset="0"/>
-              </a:rPr>
-              <a:t> 튜닝과정을 로깅</a:t>
-            </a:r>
-            <a:r>
-              <a:rPr lang="en-US" altLang="ko-KR" sz="1200" dirty="0">
-                <a:latin typeface="Noto Sans" panose="020B0502040504020204" pitchFamily="34" charset="0"/>
-                <a:cs typeface="Noto Sans" panose="020B0502040504020204" pitchFamily="34" charset="0"/>
-              </a:rPr>
-              <a:t>, </a:t>
-            </a:r>
-            <a:r>
-              <a:rPr lang="ko-KR" altLang="en-US" sz="1200" dirty="0">
-                <a:latin typeface="Noto Sans" panose="020B0502040504020204" pitchFamily="34" charset="0"/>
-                <a:cs typeface="Noto Sans" panose="020B0502040504020204" pitchFamily="34" charset="0"/>
-              </a:rPr>
-              <a:t>시각화를 통해 성능 비교를 할 수 있었음 </a:t>
+              <a:t> 값은 모델 학습에 있어서 매우 중요한 요소 </a:t>
             </a:r>
             <a:endParaRPr lang="en-US" altLang="ko-KR" sz="1200" dirty="0">
               <a:latin typeface="Noto Sans" panose="020B0502040504020204" pitchFamily="34" charset="0"/>
@@ -24463,7 +24407,7 @@
                 <a:latin typeface="Noto Sans" panose="020B0502040504020204" pitchFamily="34" charset="0"/>
                 <a:cs typeface="Noto Sans" panose="020B0502040504020204" pitchFamily="34" charset="0"/>
               </a:rPr>
-              <a:t> 통해 다시 </a:t>
+              <a:t> 구해  </a:t>
             </a:r>
             <a:r>
               <a:rPr lang="en-US" altLang="ko-KR" sz="1200" dirty="0">
@@ -24528,11 +24472,24 @@
                 <a:latin typeface="Noto Sans" panose="020B0502040504020204" pitchFamily="34" charset="0"/>
                 <a:cs typeface="Noto Sans" panose="020B0502040504020204" pitchFamily="34" charset="0"/>
               </a:rPr>
-              <a:t>에 학습시킨 모델 저장하는 부분 추가적인 학습 필요</a:t>
-            </a:r>
-            <a:endParaRPr sz="1200" dirty="0">
+              <a:t> </a:t>
+            </a:r>
+            <a:r>
+              <a:rPr lang="en-US" altLang="ko-KR" sz="1200" dirty="0">
+                <a:latin typeface="Noto Sans" panose="020B0502040504020204" pitchFamily="34" charset="0"/>
+                <a:cs typeface="Noto Sans" panose="020B0502040504020204" pitchFamily="34" charset="0"/>
+              </a:rPr>
+              <a:t>sweep</a:t>
+            </a:r>
+            <a:r>
+              <a:rPr lang="ko-KR" altLang="en-US" sz="1200" dirty="0">
+                <a:latin typeface="Noto Sans" panose="020B0502040504020204" pitchFamily="34" charset="0"/>
+                <a:cs typeface="Noto Sans" panose="020B0502040504020204" pitchFamily="34" charset="0"/>
+              </a:rPr>
+              <a:t>단위로 최고 성능의 모델을 저장하는 방법 알아보고 싶음</a:t>
+            </a:r>
+            <a:endParaRPr lang="en-US" altLang="ko-KR" sz="1200" dirty="0">
               <a:latin typeface="Noto Sans" panose="020B0502040504020204" pitchFamily="34" charset="0"/>
-              <a:ea typeface="Noto Sans" panose="020B0502040504020204" pitchFamily="34" charset="0"/>
               <a:cs typeface="Noto Sans" panose="020B0502040504020204" pitchFamily="34" charset="0"/>
             </a:endParaRPr>
           </a:p>
@@ -24704,14 +24661,14 @@
           <p:nvPr>
             <p:extLst>
               <p:ext uri="{D42A27DB-BD31-4B8C-83A1-F6EECF244321}">
-                <p14:modId xmlns:p14="http://schemas.microsoft.com/office/powerpoint/2010/main" val="2304807577"/>
+                <p14:modId xmlns:p14="http://schemas.microsoft.com/office/powerpoint/2010/main" val="469850642"/>
               </p:ext>
             </p:extLst>
           </p:nvPr>
         </p:nvGraphicFramePr>
         <p:xfrm>
-          <a:off x="1437710" y="1117058"/>
-          <a:ext cx="6268580" cy="3416300"/>
+          <a:off x="1437710" y="952562"/>
+          <a:ext cx="6268580" cy="3772233"/>
         </p:xfrm>
         <a:graphic>
           <a:graphicData uri="http://schemas.openxmlformats.org/drawingml/2006/table">
@@ -24880,39 +24837,39 @@
                     <a:lstStyle/>
                     <a:p>
                       <a:r>
-                        <a:rPr lang="en-US" altLang="ko-KR" sz="500" dirty="0"/>
+                        <a:rPr lang="en-US" altLang="ko-KR" sz="700" dirty="0"/>
                         <a:t>Fine-tuning, Feature based </a:t>
                       </a:r>
                       <a:r>
-                        <a:rPr lang="ko-KR" altLang="en-US" sz="500" dirty="0"/>
+                        <a:rPr lang="ko-KR" altLang="en-US" sz="700" dirty="0"/>
                         <a:t>기반 접근 방식이 각각 어떤 상황에서 더 유리한지</a:t>
                       </a:r>
                       <a:r>
-                        <a:rPr lang="en-US" altLang="ko-KR" sz="500" dirty="0"/>
+                        <a:rPr lang="en-US" altLang="ko-KR" sz="700" dirty="0"/>
                         <a:t>, 3p</a:t>
                       </a:r>
                     </a:p>
                     <a:p>
                       <a:r>
-                        <a:rPr lang="ko-KR" altLang="en-US" sz="500" dirty="0"/>
+                        <a:rPr lang="ko-KR" altLang="en-US" sz="700" dirty="0"/>
                         <a:t>도식화 세분화 및 구체화</a:t>
                       </a:r>
                       <a:r>
-                        <a:rPr lang="en-US" altLang="ko-KR" sz="500" dirty="0"/>
+                        <a:rPr lang="en-US" altLang="ko-KR" sz="700" dirty="0"/>
                         <a:t>, 10p</a:t>
                       </a:r>
                     </a:p>
                     <a:p>
                       <a:r>
-                        <a:rPr lang="en-US" altLang="ko-KR" sz="500" dirty="0"/>
+                        <a:rPr lang="en-US" altLang="ko-KR" sz="700" dirty="0"/>
                         <a:t>train, validation </a:t>
                       </a:r>
                       <a:r>
-                        <a:rPr lang="ko-KR" altLang="en-US" sz="500" dirty="0"/>
+                        <a:rPr lang="ko-KR" altLang="en-US" sz="700" dirty="0"/>
                         <a:t>데이터의 올바른 분할</a:t>
                       </a:r>
                       <a:r>
-                        <a:rPr lang="en-US" altLang="ko-KR" sz="500" dirty="0"/>
+                        <a:rPr lang="en-US" altLang="ko-KR" sz="700" dirty="0"/>
                         <a:t>, 15p</a:t>
                       </a:r>
                     </a:p>
@@ -24937,15 +24894,15 @@
                         <a:defRPr/>
                       </a:pPr>
                       <a:r>
-                        <a:rPr lang="en-US" altLang="ko-KR" sz="500" dirty="0"/>
+                        <a:rPr lang="en-US" altLang="ko-KR" sz="700" dirty="0"/>
                         <a:t>Test accuracy </a:t>
                       </a:r>
                       <a:r>
-                        <a:rPr lang="ko-KR" altLang="en-US" sz="500" dirty="0"/>
+                        <a:rPr lang="ko-KR" altLang="en-US" sz="700" dirty="0"/>
                         <a:t>코드 확인해볼 것</a:t>
                       </a:r>
                       <a:r>
-                        <a:rPr lang="en-US" altLang="ko-KR" sz="500" dirty="0"/>
+                        <a:rPr lang="en-US" altLang="ko-KR" sz="700" dirty="0"/>
                         <a:t>, 19p</a:t>
                       </a:r>
                     </a:p>
@@ -24970,14 +24927,68 @@
                         <a:defRPr/>
                       </a:pPr>
                       <a:r>
-                        <a:rPr lang="ko-KR" altLang="en-US" sz="500" dirty="0"/>
+                        <a:rPr lang="ko-KR" altLang="en-US" sz="700" dirty="0"/>
                         <a:t>의견 추가</a:t>
                       </a:r>
                       <a:r>
-                        <a:rPr lang="en-US" altLang="ko-KR" sz="500" dirty="0"/>
+                        <a:rPr lang="en-US" altLang="ko-KR" sz="700" dirty="0"/>
                         <a:t>, 20p</a:t>
                       </a:r>
-                      <a:endParaRPr lang="ko-KR" altLang="en-US" sz="500" dirty="0"/>
+                    </a:p>
+                    <a:p>
+                      <a:pPr marL="0" marR="0" lvl="0" indent="0" algn="l" defTabSz="914400" rtl="0" eaLnBrk="1" fontAlgn="auto" latinLnBrk="0" hangingPunct="1">
+                        <a:lnSpc>
+                          <a:spcPct val="100000"/>
+                        </a:lnSpc>
+                        <a:spcBef>
+                          <a:spcPts val="0"/>
+                        </a:spcBef>
+                        <a:spcAft>
+                          <a:spcPts val="0"/>
+                        </a:spcAft>
+                        <a:buClr>
+                          <a:srgbClr val="000000"/>
+                        </a:buClr>
+                        <a:buSzTx/>
+                        <a:buFont typeface="Arial"/>
+                        <a:buNone/>
+                        <a:tabLst/>
+                        <a:defRPr/>
+                      </a:pPr>
+                      <a:r>
+                        <a:rPr lang="ko-KR" altLang="en-US" sz="700" dirty="0"/>
+                        <a:t>파라미터를 큰 폭으로 둔 것을 비교해 볼 것</a:t>
+                      </a:r>
+                      <a:r>
+                        <a:rPr lang="en-US" altLang="ko-KR" sz="700" dirty="0"/>
+                        <a:t>, 29p</a:t>
+                      </a:r>
+                    </a:p>
+                    <a:p>
+                      <a:pPr marL="0" marR="0" lvl="0" indent="0" algn="l" defTabSz="914400" rtl="0" eaLnBrk="1" fontAlgn="auto" latinLnBrk="0" hangingPunct="1">
+                        <a:lnSpc>
+                          <a:spcPct val="100000"/>
+                        </a:lnSpc>
+                        <a:spcBef>
+                          <a:spcPts val="0"/>
+                        </a:spcBef>
+                        <a:spcAft>
+                          <a:spcPts val="0"/>
+                        </a:spcAft>
+                        <a:buClr>
+                          <a:srgbClr val="000000"/>
+                        </a:buClr>
+                        <a:buSzTx/>
+                        <a:buFont typeface="Arial"/>
+                        <a:buNone/>
+                        <a:tabLst/>
+                        <a:defRPr/>
+                      </a:pPr>
+                      <a:r>
+                        <a:rPr lang="ko-KR" altLang="en-US" sz="700" dirty="0"/>
+                        <a:t>오타 수정</a:t>
+                      </a:r>
+                      <a:endParaRPr lang="en-US" altLang="ko-KR" sz="700" dirty="0"/>
                     </a:p>
                   </a:txBody>
                   <a:tcPr marL="76633" marR="76633" marT="38317" marB="38317">
@@ -25034,7 +25045,7 @@
                     <a:p>
                       <a:pPr algn="ctr" rtl="0" fontAlgn="ctr"/>
                       <a:r>
-                        <a:rPr lang="ko-KR" altLang="en-US" sz="1000" b="0" i="0" u="none" strike="noStrike">
+                        <a:rPr lang="ko-KR" altLang="en-US" sz="1000" b="0" i="0" u="none" strike="noStrike" dirty="0">
                           <a:solidFill>
                             <a:srgbClr val="000000"/>
                           </a:solidFill>
@@ -25043,7 +25054,7 @@
                         </a:rPr>
                         <a:t>그 외 코멘트</a:t>
                       </a:r>
-                      <a:endParaRPr lang="ko-KR" altLang="en-US" sz="1100">
+                      <a:endParaRPr lang="ko-KR" altLang="en-US" sz="1100" dirty="0">
                         <a:effectLst/>
                       </a:endParaRPr>
                     </a:p>
@@ -25094,295 +25105,248 @@
                     <a:lstStyle/>
                     <a:p>
                       <a:r>
-                        <a:rPr lang="en-US" altLang="ko-KR" sz="500" dirty="0"/>
+                        <a:rPr lang="en-US" altLang="ko-KR" sz="700" dirty="0"/>
                         <a:t>Q. validation </a:t>
                       </a:r>
                       <a:r>
-                        <a:rPr lang="ko-KR" altLang="en-US" sz="500" dirty="0"/>
+                        <a:rPr lang="ko-KR" altLang="en-US" sz="700" dirty="0"/>
                         <a:t>데이터는 학습에 반영이 안되는데 </a:t>
                       </a:r>
                       <a:r>
-                        <a:rPr lang="en-US" altLang="ko-KR" sz="500" dirty="0"/>
+                        <a:rPr lang="en-US" altLang="ko-KR" sz="700" dirty="0"/>
                         <a:t>test accuracy</a:t>
                       </a:r>
                       <a:r>
-                        <a:rPr lang="ko-KR" altLang="en-US" sz="500" dirty="0"/>
+                        <a:rPr lang="ko-KR" altLang="en-US" sz="700" dirty="0"/>
                         <a:t>가 왜 높다고 생각하는지</a:t>
                       </a:r>
                     </a:p>
                     <a:p>
                       <a:r>
-                        <a:rPr lang="en-US" altLang="ko-KR" sz="500" dirty="0"/>
+                        <a:rPr lang="en-US" altLang="ko-KR" sz="700" dirty="0"/>
                         <a:t>A. </a:t>
                       </a:r>
                       <a:r>
-                        <a:rPr lang="ko-KR" altLang="en-US" sz="500" dirty="0"/>
+                        <a:rPr lang="ko-KR" altLang="en-US" sz="700" dirty="0"/>
                         <a:t>라벨별 불균형 분포를 생각했는데 </a:t>
                       </a:r>
                       <a:r>
-                        <a:rPr lang="ko-KR" altLang="en-US" sz="500" dirty="0" err="1"/>
+                        <a:rPr lang="ko-KR" altLang="en-US" sz="700" dirty="0" err="1"/>
                         <a:t>아니였고</a:t>
                       </a:r>
                       <a:r>
-                        <a:rPr lang="en-US" altLang="ko-KR" sz="500" dirty="0"/>
+                        <a:rPr lang="en-US" altLang="ko-KR" sz="700" dirty="0"/>
                         <a:t>, </a:t>
                       </a:r>
                       <a:r>
-                        <a:rPr lang="ko-KR" altLang="en-US" sz="500" dirty="0"/>
+                        <a:rPr lang="ko-KR" altLang="en-US" sz="700" dirty="0"/>
                         <a:t>테스트 데이터에 대한 패턴을 모델이 잘 학습해서 높게 나왔을 것이라 생각</a:t>
                       </a:r>
-                      <a:endParaRPr lang="en-US" altLang="ko-KR" sz="500" dirty="0"/>
+                      <a:endParaRPr lang="en-US" altLang="ko-KR" sz="700" dirty="0"/>
                     </a:p>
                     <a:p>
-                      <a:endParaRPr lang="ko-KR" altLang="en-US" sz="500" dirty="0"/>
+                      <a:endParaRPr lang="ko-KR" altLang="en-US" sz="700" dirty="0"/>
                     </a:p>
                     <a:p>
                       <a:r>
-                        <a:rPr lang="en-US" altLang="ko-KR" sz="500" dirty="0"/>
+                        <a:rPr lang="en-US" altLang="ko-KR" sz="700" dirty="0"/>
                         <a:t>Q. </a:t>
                       </a:r>
                       <a:r>
-                        <a:rPr lang="ko-KR" altLang="en-US" sz="500" dirty="0"/>
+                        <a:rPr lang="ko-KR" altLang="en-US" sz="700" dirty="0"/>
                         <a:t>과적합이 일어났다고 판단한 근거가 무엇인지</a:t>
                       </a:r>
                     </a:p>
                     <a:p>
                       <a:r>
-                        <a:rPr lang="en-US" altLang="ko-KR" sz="500" dirty="0"/>
+                        <a:rPr lang="en-US" altLang="ko-KR" sz="700" dirty="0"/>
                         <a:t>A. Validation accuracy</a:t>
                       </a:r>
                       <a:r>
-                        <a:rPr lang="ko-KR" altLang="en-US" sz="500" dirty="0"/>
+                        <a:rPr lang="ko-KR" altLang="en-US" sz="700" dirty="0"/>
                         <a:t>가 </a:t>
                       </a:r>
                       <a:r>
-                        <a:rPr lang="ko-KR" altLang="en-US" sz="500" dirty="0" err="1"/>
+                        <a:rPr lang="ko-KR" altLang="en-US" sz="700" dirty="0" err="1"/>
                         <a:t>에폭을</a:t>
                       </a:r>
                       <a:r>
-                        <a:rPr lang="ko-KR" altLang="en-US" sz="500" dirty="0"/>
+                        <a:rPr lang="ko-KR" altLang="en-US" sz="700" dirty="0"/>
                         <a:t> 거치면서 지속적으로 상승하지 않고 하락</a:t>
                       </a:r>
                       <a:r>
-                        <a:rPr lang="en-US" altLang="ko-KR" sz="500" dirty="0"/>
+                        <a:rPr lang="en-US" altLang="ko-KR" sz="700" dirty="0"/>
                         <a:t>,</a:t>
                       </a:r>
                       <a:r>
-                        <a:rPr lang="ko-KR" altLang="en-US" sz="500" dirty="0"/>
+                        <a:rPr lang="ko-KR" altLang="en-US" sz="700" dirty="0"/>
                         <a:t>상승을 반복했기 때문에 일어났다고 판단했는데</a:t>
                       </a:r>
                       <a:r>
-                        <a:rPr lang="en-US" altLang="ko-KR" sz="500" dirty="0"/>
+                        <a:rPr lang="en-US" altLang="ko-KR" sz="700" dirty="0"/>
                         <a:t>, </a:t>
                       </a:r>
                       <a:r>
-                        <a:rPr lang="ko-KR" altLang="en-US" sz="500" dirty="0"/>
+                        <a:rPr lang="ko-KR" altLang="en-US" sz="700" dirty="0"/>
                         <a:t>정상적인 상황의 그래프인 것을 확인함</a:t>
                       </a:r>
-                      <a:endParaRPr lang="en-US" altLang="ko-KR" sz="500" dirty="0"/>
+                      <a:endParaRPr lang="en-US" altLang="ko-KR" sz="700" dirty="0"/>
                     </a:p>
                     <a:p>
-                      <a:endParaRPr lang="en-US" altLang="ko-KR" sz="500" dirty="0"/>
+                      <a:endParaRPr lang="en-US" altLang="ko-KR" sz="700" dirty="0"/>
                     </a:p>
                     <a:p>
                       <a:r>
-                        <a:rPr lang="en-US" altLang="ko-KR" sz="500" dirty="0"/>
+                        <a:rPr lang="en-US" altLang="ko-KR" sz="700" dirty="0"/>
                         <a:t>Q.BERT</a:t>
                       </a:r>
                       <a:r>
-                        <a:rPr lang="ko-KR" altLang="en-US" sz="500" dirty="0"/>
+                        <a:rPr lang="ko-KR" altLang="en-US" sz="700" dirty="0"/>
                         <a:t>의 입력 표현에서 세그먼트</a:t>
                       </a:r>
                       <a:r>
-                        <a:rPr lang="en-US" altLang="ko-KR" sz="500" dirty="0"/>
+                        <a:rPr lang="en-US" altLang="ko-KR" sz="700" dirty="0"/>
                         <a:t>, </a:t>
                       </a:r>
                       <a:r>
-                        <a:rPr lang="ko-KR" altLang="en-US" sz="500" dirty="0"/>
+                        <a:rPr lang="ko-KR" altLang="en-US" sz="700" dirty="0"/>
                         <a:t>포지션</a:t>
                       </a:r>
                       <a:r>
-                        <a:rPr lang="en-US" altLang="ko-KR" sz="500" dirty="0"/>
+                        <a:rPr lang="en-US" altLang="ko-KR" sz="700" dirty="0"/>
                         <a:t>, </a:t>
                       </a:r>
                       <a:r>
-                        <a:rPr lang="ko-KR" altLang="en-US" sz="500" dirty="0"/>
+                        <a:rPr lang="ko-KR" altLang="en-US" sz="700" dirty="0"/>
                         <a:t>토큰 </a:t>
                       </a:r>
                       <a:r>
-                        <a:rPr lang="ko-KR" altLang="en-US" sz="500" dirty="0" err="1"/>
+                        <a:rPr lang="ko-KR" altLang="en-US" sz="700" dirty="0" err="1"/>
                         <a:t>임베딩이</a:t>
                       </a:r>
                       <a:r>
-                        <a:rPr lang="ko-KR" altLang="en-US" sz="500" dirty="0"/>
+                        <a:rPr lang="ko-KR" altLang="en-US" sz="700" dirty="0"/>
                         <a:t> 더해져서 들어가는데 기존의 트랜스포머와 </a:t>
                       </a:r>
                       <a:r>
-                        <a:rPr lang="ko-KR" altLang="en-US" sz="500" dirty="0" err="1"/>
+                        <a:rPr lang="ko-KR" altLang="en-US" sz="700" dirty="0" err="1"/>
                         <a:t>다른점이</a:t>
                       </a:r>
                       <a:r>
-                        <a:rPr lang="ko-KR" altLang="en-US" sz="500" dirty="0"/>
+                        <a:rPr lang="ko-KR" altLang="en-US" sz="700" dirty="0"/>
                         <a:t> 무엇인지</a:t>
                       </a:r>
                     </a:p>
                     <a:p>
                       <a:r>
-                        <a:rPr lang="en-US" altLang="ko-KR" sz="500" dirty="0"/>
+                        <a:rPr lang="en-US" altLang="ko-KR" sz="700" dirty="0"/>
                         <a:t>A. </a:t>
                       </a:r>
                       <a:r>
-                        <a:rPr lang="ko-KR" altLang="en-US" sz="500" dirty="0"/>
+                        <a:rPr lang="ko-KR" altLang="en-US" sz="700" dirty="0"/>
                         <a:t>세그먼트 </a:t>
                       </a:r>
                       <a:r>
-                        <a:rPr lang="ko-KR" altLang="en-US" sz="500" dirty="0" err="1"/>
+                        <a:rPr lang="ko-KR" altLang="en-US" sz="700" dirty="0" err="1"/>
                         <a:t>임베딩이</a:t>
                       </a:r>
                       <a:r>
-                        <a:rPr lang="ko-KR" altLang="en-US" sz="500" dirty="0"/>
+                        <a:rPr lang="ko-KR" altLang="en-US" sz="700" dirty="0"/>
                         <a:t> 추가되었고</a:t>
                       </a:r>
                       <a:r>
-                        <a:rPr lang="en-US" altLang="ko-KR" sz="500" dirty="0"/>
+                        <a:rPr lang="en-US" altLang="ko-KR" sz="700" dirty="0"/>
                         <a:t>, </a:t>
                       </a:r>
                       <a:r>
-                        <a:rPr lang="ko-KR" altLang="en-US" sz="500" dirty="0"/>
+                        <a:rPr lang="ko-KR" altLang="en-US" sz="700" dirty="0"/>
                         <a:t>포지션 </a:t>
                       </a:r>
                       <a:r>
-                        <a:rPr lang="ko-KR" altLang="en-US" sz="500" dirty="0" err="1"/>
+                        <a:rPr lang="ko-KR" altLang="en-US" sz="700" dirty="0" err="1"/>
                         <a:t>임베딩의</a:t>
                       </a:r>
                       <a:r>
-                        <a:rPr lang="ko-KR" altLang="en-US" sz="500" dirty="0"/>
+                        <a:rPr lang="ko-KR" altLang="en-US" sz="700" dirty="0"/>
                         <a:t> 방식이 다름</a:t>
                       </a:r>
-                      <a:endParaRPr lang="en-US" altLang="ko-KR" sz="500" dirty="0"/>
+                      <a:endParaRPr lang="en-US" altLang="ko-KR" sz="700" dirty="0"/>
                     </a:p>
                     <a:p>
-                      <a:endParaRPr lang="ko-KR" altLang="en-US" sz="500" dirty="0"/>
+                      <a:endParaRPr lang="ko-KR" altLang="en-US" sz="700" dirty="0"/>
                     </a:p>
                     <a:p>
                       <a:r>
-                        <a:rPr lang="en-US" altLang="ko-KR" sz="500" dirty="0"/>
+                        <a:rPr lang="en-US" altLang="ko-KR" sz="700" dirty="0"/>
                         <a:t>Q. </a:t>
                       </a:r>
                       <a:r>
-                        <a:rPr lang="en-US" altLang="ko-KR" sz="500" dirty="0" err="1"/>
+                        <a:rPr lang="en-US" altLang="ko-KR" sz="700" dirty="0" err="1"/>
                         <a:t>WandB</a:t>
                       </a:r>
                       <a:r>
-                        <a:rPr lang="en-US" altLang="ko-KR" sz="500" dirty="0"/>
+                        <a:rPr lang="en-US" altLang="ko-KR" sz="700" dirty="0"/>
                         <a:t> </a:t>
                       </a:r>
                       <a:r>
-                        <a:rPr lang="ko-KR" altLang="en-US" sz="500" dirty="0"/>
+                        <a:rPr lang="ko-KR" altLang="en-US" sz="700" dirty="0"/>
                         <a:t>시각화 그래프에서 회색 선은 무엇인지</a:t>
                       </a:r>
                     </a:p>
                     <a:p>
                       <a:r>
-                        <a:rPr lang="en-US" altLang="ko-KR" sz="500" dirty="0"/>
+                        <a:rPr lang="en-US" altLang="ko-KR" sz="700" dirty="0"/>
                         <a:t>A. </a:t>
                       </a:r>
                       <a:r>
-                        <a:rPr lang="ko-KR" altLang="en-US" sz="500" dirty="0"/>
+                        <a:rPr lang="ko-KR" altLang="en-US" sz="700" dirty="0"/>
                         <a:t>최종 테스트 결과인데 </a:t>
                       </a:r>
                       <a:r>
-                        <a:rPr lang="en-US" altLang="ko-KR" sz="500" dirty="0"/>
+                        <a:rPr lang="en-US" altLang="ko-KR" sz="700" dirty="0"/>
                         <a:t>eval loss</a:t>
                       </a:r>
                       <a:r>
-                        <a:rPr lang="ko-KR" altLang="en-US" sz="500" dirty="0"/>
+                        <a:rPr lang="ko-KR" altLang="en-US" sz="700" dirty="0"/>
                         <a:t>와 </a:t>
                       </a:r>
                       <a:r>
-                        <a:rPr lang="en-US" altLang="ko-KR" sz="500" dirty="0"/>
+                        <a:rPr lang="en-US" altLang="ko-KR" sz="700" dirty="0"/>
                         <a:t>eval accuracy</a:t>
                       </a:r>
                       <a:r>
-                        <a:rPr lang="ko-KR" altLang="en-US" sz="500" dirty="0"/>
+                        <a:rPr lang="ko-KR" altLang="en-US" sz="700" dirty="0"/>
                         <a:t>에 해당사항이 없기 때문에 </a:t>
                       </a:r>
                       <a:r>
-                        <a:rPr lang="en-US" altLang="ko-KR" sz="500" dirty="0"/>
+                        <a:rPr lang="en-US" altLang="ko-KR" sz="700" dirty="0"/>
                         <a:t>null</a:t>
                       </a:r>
                       <a:r>
-                        <a:rPr lang="ko-KR" altLang="en-US" sz="500" dirty="0"/>
+                        <a:rPr lang="ko-KR" altLang="en-US" sz="700" dirty="0"/>
                         <a:t>값으로 나옴</a:t>
                       </a:r>
                     </a:p>
                     <a:p>
-                      <a:endParaRPr lang="en-US" altLang="ko-KR" sz="500" dirty="0"/>
+                      <a:endParaRPr lang="ko-KR" altLang="en-US" sz="700" dirty="0"/>
                     </a:p>
                     <a:p>
                       <a:r>
-                        <a:rPr lang="ko-KR" altLang="en-US" sz="500" dirty="0"/>
-                        <a:t>파라미터를 큰 폭으로 둔 것을 비교해 볼 것</a:t>
+                        <a:rPr lang="en-US" altLang="ko-KR" sz="700" dirty="0"/>
+                        <a:t>Train accuracy </a:t>
                       </a:r>
                       <a:r>
-                        <a:rPr lang="en-US" altLang="ko-KR" sz="500" dirty="0"/>
-                        <a:t>(</a:t>
+                        <a:rPr lang="ko-KR" altLang="en-US" sz="700" dirty="0"/>
+                        <a:t>확인해볼 것</a:t>
                       </a:r>
-                      <a:r>
-                        <a:rPr lang="ko-KR" altLang="en-US" sz="500" dirty="0"/>
-                        <a:t>배치 사이즈 </a:t>
-                      </a:r>
-                      <a:r>
-                        <a:rPr lang="en-US" altLang="ko-KR" sz="500" dirty="0"/>
-                        <a:t>128, </a:t>
-                      </a:r>
-                      <a:r>
-                        <a:rPr lang="en-US" altLang="ko-KR" sz="500" dirty="0" err="1"/>
-                        <a:t>lr</a:t>
-                      </a:r>
-                      <a:r>
-                        <a:rPr lang="en-US" altLang="ko-KR" sz="500" dirty="0"/>
-                        <a:t> 0.1 </a:t>
-                      </a:r>
-                      <a:r>
-                        <a:rPr lang="ko-KR" altLang="en-US" sz="500" dirty="0"/>
-                        <a:t>등</a:t>
-                      </a:r>
-                      <a:r>
-                        <a:rPr lang="en-US" altLang="ko-KR" sz="500" dirty="0"/>
-                        <a:t>)</a:t>
-                      </a:r>
+                      <a:endParaRPr lang="en-US" altLang="ko-KR" sz="700" dirty="0"/>
                     </a:p>
                     <a:p>
-                      <a:endParaRPr lang="ko-KR" altLang="en-US" sz="500" dirty="0"/>
+                      <a:endParaRPr lang="ko-KR" altLang="en-US" sz="700" dirty="0"/>
                     </a:p>
                     <a:p>
                       <a:r>
-                        <a:rPr lang="ko-KR" altLang="en-US" sz="500" dirty="0"/>
-                        <a:t>오타 수정</a:t>
-                      </a:r>
-                      <a:endParaRPr lang="en-US" altLang="ko-KR" sz="500" dirty="0"/>
-                    </a:p>
-                    <a:p>
-                      <a:endParaRPr lang="ko-KR" altLang="en-US" sz="500" dirty="0"/>
-                    </a:p>
-                    <a:p>
-                      <a:r>
-                        <a:rPr lang="en-US" altLang="ko-KR" sz="500" dirty="0"/>
-                        <a:t>Train accuracy </a:t>
-                      </a:r>
-                      <a:r>
-                        <a:rPr lang="ko-KR" altLang="en-US" sz="500" dirty="0"/>
-                        <a:t>확인해볼 것</a:t>
-                      </a:r>
-                      <a:endParaRPr lang="en-US" altLang="ko-KR" sz="500" dirty="0"/>
-                    </a:p>
-                    <a:p>
-                      <a:endParaRPr lang="ko-KR" altLang="en-US" sz="500" dirty="0"/>
-                    </a:p>
-                    <a:p>
-                      <a:r>
-                        <a:rPr lang="ko-KR" altLang="en-US" sz="500" dirty="0"/>
+                        <a:rPr lang="ko-KR" altLang="en-US" sz="700" dirty="0"/>
                         <a:t>멘토링 때 실습한 다른 데이터셋의 결과 비교 추가 고려</a:t>
                       </a:r>
                     </a:p>
@@ -28803,439 +28767,6 @@
   <p:cSld>
     <p:spTree>
       <p:nvGrpSpPr>
-        <p:cNvPr id="1" name="Shape 501"/>
-        <p:cNvGrpSpPr/>
-        <p:nvPr/>
-      </p:nvGrpSpPr>
-      <p:grpSpPr>
-        <a:xfrm>
-          <a:off x="0" y="0"/>
-          <a:ext cx="0" cy="0"/>
-          <a:chOff x="0" y="0"/>
-          <a:chExt cx="0" cy="0"/>
-        </a:xfrm>
-      </p:grpSpPr>
-      <p:pic>
-        <p:nvPicPr>
-          <p:cNvPr id="502" name="Google Shape;502;g33c263190d2_1_134"/>
-          <p:cNvPicPr preferRelativeResize="0"/>
-          <p:nvPr/>
-        </p:nvPicPr>
-        <p:blipFill>
-          <a:blip r:embed="rId3">
-            <a:alphaModFix/>
-          </a:blip>
-          <a:stretch>
-            <a:fillRect/>
-          </a:stretch>
-        </p:blipFill>
-        <p:spPr>
-          <a:xfrm>
-            <a:off x="372388" y="2054963"/>
-            <a:ext cx="3948125" cy="825250"/>
-          </a:xfrm>
-          <a:prstGeom prst="rect">
-            <a:avLst/>
-          </a:prstGeom>
-          <a:noFill/>
-          <a:ln>
-            <a:noFill/>
-          </a:ln>
-        </p:spPr>
-      </p:pic>
-      <p:pic>
-        <p:nvPicPr>
-          <p:cNvPr id="503" name="Google Shape;503;g33c263190d2_1_134"/>
-          <p:cNvPicPr preferRelativeResize="0"/>
-          <p:nvPr/>
-        </p:nvPicPr>
-        <p:blipFill>
-          <a:blip r:embed="rId4">
-            <a:alphaModFix/>
-          </a:blip>
-          <a:stretch>
-            <a:fillRect/>
-          </a:stretch>
-        </p:blipFill>
-        <p:spPr>
-          <a:xfrm>
-            <a:off x="314250" y="2907123"/>
-            <a:ext cx="3988200" cy="551025"/>
-          </a:xfrm>
-          <a:prstGeom prst="rect">
-            <a:avLst/>
-          </a:prstGeom>
-          <a:noFill/>
-          <a:ln>
-            <a:noFill/>
-          </a:ln>
-        </p:spPr>
-      </p:pic>
-      <p:pic>
-        <p:nvPicPr>
-          <p:cNvPr id="504" name="Google Shape;504;g33c263190d2_1_134"/>
-          <p:cNvPicPr preferRelativeResize="0"/>
-          <p:nvPr/>
-        </p:nvPicPr>
-        <p:blipFill>
-          <a:blip r:embed="rId5">
-            <a:alphaModFix/>
-          </a:blip>
-          <a:stretch>
-            <a:fillRect/>
-          </a:stretch>
-        </p:blipFill>
-        <p:spPr>
-          <a:xfrm>
-            <a:off x="4957476" y="2081850"/>
-            <a:ext cx="3866250" cy="1335200"/>
-          </a:xfrm>
-          <a:prstGeom prst="rect">
-            <a:avLst/>
-          </a:prstGeom>
-          <a:noFill/>
-          <a:ln>
-            <a:noFill/>
-          </a:ln>
-        </p:spPr>
-      </p:pic>
-      <p:sp>
-        <p:nvSpPr>
-          <p:cNvPr id="505" name="Google Shape;505;g33c263190d2_1_134"/>
-          <p:cNvSpPr txBox="1"/>
-          <p:nvPr/>
-        </p:nvSpPr>
-        <p:spPr>
-          <a:xfrm>
-            <a:off x="372401" y="1835550"/>
-            <a:ext cx="2395200" cy="246300"/>
-          </a:xfrm>
-          <a:prstGeom prst="rect">
-            <a:avLst/>
-          </a:prstGeom>
-          <a:noFill/>
-          <a:ln>
-            <a:noFill/>
-          </a:ln>
-        </p:spPr>
-        <p:txBody>
-          <a:bodyPr spcFirstLastPara="1" wrap="square" lIns="91425" tIns="45700" rIns="91425" bIns="45700" anchor="t" anchorCtr="0">
-            <a:spAutoFit/>
-          </a:bodyPr>
-          <a:lstStyle/>
-          <a:p>
-            <a:pPr marL="0" lvl="0" indent="0" algn="l" rtl="0">
-              <a:spcBef>
-                <a:spcPts val="0"/>
-              </a:spcBef>
-              <a:spcAft>
-                <a:spcPts val="0"/>
-              </a:spcAft>
-              <a:buNone/>
-            </a:pPr>
-            <a:r>
-              <a:rPr lang="en-US" sz="1000">
-                <a:solidFill>
-                  <a:srgbClr val="191919"/>
-                </a:solidFill>
-                <a:latin typeface="Noto Sans"/>
-                <a:ea typeface="Noto Sans"/>
-                <a:cs typeface="Noto Sans"/>
-                <a:sym typeface="Noto Sans"/>
-              </a:rPr>
-              <a:t>train : test = 8 : 2 비율로 분할</a:t>
-            </a:r>
-            <a:endParaRPr sz="1000">
-              <a:solidFill>
-                <a:srgbClr val="191919"/>
-              </a:solidFill>
-              <a:latin typeface="Noto Sans"/>
-              <a:ea typeface="Noto Sans"/>
-              <a:cs typeface="Noto Sans"/>
-              <a:sym typeface="Noto Sans"/>
-            </a:endParaRPr>
-          </a:p>
-        </p:txBody>
-      </p:sp>
-      <p:sp>
-        <p:nvSpPr>
-          <p:cNvPr id="506" name="Google Shape;506;g33c263190d2_1_134"/>
-          <p:cNvSpPr txBox="1"/>
-          <p:nvPr/>
-        </p:nvSpPr>
-        <p:spPr>
-          <a:xfrm>
-            <a:off x="4957474" y="1835550"/>
-            <a:ext cx="3047400" cy="246300"/>
-          </a:xfrm>
-          <a:prstGeom prst="rect">
-            <a:avLst/>
-          </a:prstGeom>
-          <a:noFill/>
-          <a:ln>
-            <a:noFill/>
-          </a:ln>
-        </p:spPr>
-        <p:txBody>
-          <a:bodyPr spcFirstLastPara="1" wrap="square" lIns="91425" tIns="45700" rIns="91425" bIns="45700" anchor="t" anchorCtr="0">
-            <a:spAutoFit/>
-          </a:bodyPr>
-          <a:lstStyle/>
-          <a:p>
-            <a:pPr marL="0" lvl="0" indent="0" algn="l" rtl="0">
-              <a:spcBef>
-                <a:spcPts val="0"/>
-              </a:spcBef>
-              <a:spcAft>
-                <a:spcPts val="0"/>
-              </a:spcAft>
-              <a:buNone/>
-            </a:pPr>
-            <a:r>
-              <a:rPr lang="en-US" sz="1000">
-                <a:solidFill>
-                  <a:srgbClr val="191919"/>
-                </a:solidFill>
-                <a:latin typeface="Noto Sans"/>
-                <a:ea typeface="Noto Sans"/>
-                <a:cs typeface="Noto Sans"/>
-                <a:sym typeface="Noto Sans"/>
-              </a:rPr>
-              <a:t>전체 데이터에서 validation 데이터셋 구성</a:t>
-            </a:r>
-            <a:endParaRPr sz="1000">
-              <a:solidFill>
-                <a:srgbClr val="191919"/>
-              </a:solidFill>
-              <a:latin typeface="Noto Sans"/>
-              <a:ea typeface="Noto Sans"/>
-              <a:cs typeface="Noto Sans"/>
-              <a:sym typeface="Noto Sans"/>
-            </a:endParaRPr>
-          </a:p>
-        </p:txBody>
-      </p:sp>
-      <p:sp>
-        <p:nvSpPr>
-          <p:cNvPr id="507" name="Google Shape;507;g33c263190d2_1_134"/>
-          <p:cNvSpPr txBox="1"/>
-          <p:nvPr/>
-        </p:nvSpPr>
-        <p:spPr>
-          <a:xfrm>
-            <a:off x="502710" y="1111623"/>
-            <a:ext cx="3999600" cy="289500"/>
-          </a:xfrm>
-          <a:prstGeom prst="rect">
-            <a:avLst/>
-          </a:prstGeom>
-          <a:noFill/>
-          <a:ln>
-            <a:noFill/>
-          </a:ln>
-        </p:spPr>
-        <p:txBody>
-          <a:bodyPr spcFirstLastPara="1" wrap="square" lIns="91425" tIns="91425" rIns="91425" bIns="91425" anchor="t" anchorCtr="0">
-            <a:noAutofit/>
-          </a:bodyPr>
-          <a:lstStyle/>
-          <a:p>
-            <a:pPr marL="0" lvl="0" indent="0" algn="l" rtl="0">
-              <a:spcBef>
-                <a:spcPts val="0"/>
-              </a:spcBef>
-              <a:spcAft>
-                <a:spcPts val="0"/>
-              </a:spcAft>
-              <a:buNone/>
-            </a:pPr>
-            <a:r>
-              <a:rPr lang="en-US" b="1">
-                <a:solidFill>
-                  <a:srgbClr val="191919"/>
-                </a:solidFill>
-                <a:latin typeface="Noto Sans"/>
-                <a:ea typeface="Noto Sans"/>
-                <a:cs typeface="Noto Sans"/>
-                <a:sym typeface="Noto Sans"/>
-              </a:rPr>
-              <a:t>train, validation 데이터의</a:t>
-            </a:r>
-            <a:r>
-              <a:rPr lang="en-US">
-                <a:solidFill>
-                  <a:srgbClr val="191919"/>
-                </a:solidFill>
-                <a:latin typeface="Noto Sans"/>
-                <a:ea typeface="Noto Sans"/>
-                <a:cs typeface="Noto Sans"/>
-                <a:sym typeface="Noto Sans"/>
-              </a:rPr>
-              <a:t> </a:t>
-            </a:r>
-            <a:r>
-              <a:rPr lang="en-US" b="1">
-                <a:solidFill>
-                  <a:srgbClr val="191919"/>
-                </a:solidFill>
-                <a:latin typeface="Noto Sans"/>
-                <a:ea typeface="Noto Sans"/>
-                <a:cs typeface="Noto Sans"/>
-                <a:sym typeface="Noto Sans"/>
-              </a:rPr>
-              <a:t>독립성 문제</a:t>
-            </a:r>
-            <a:endParaRPr sz="1300" b="1">
-              <a:solidFill>
-                <a:srgbClr val="191919"/>
-              </a:solidFill>
-              <a:latin typeface="Noto Sans"/>
-              <a:ea typeface="Noto Sans"/>
-              <a:cs typeface="Noto Sans"/>
-              <a:sym typeface="Noto Sans"/>
-            </a:endParaRPr>
-          </a:p>
-        </p:txBody>
-      </p:sp>
-      <p:sp>
-        <p:nvSpPr>
-          <p:cNvPr id="508" name="Google Shape;508;g33c263190d2_1_134"/>
-          <p:cNvSpPr txBox="1"/>
-          <p:nvPr/>
-        </p:nvSpPr>
-        <p:spPr>
-          <a:xfrm>
-            <a:off x="314245" y="501060"/>
-            <a:ext cx="5495700" cy="401700"/>
-          </a:xfrm>
-          <a:prstGeom prst="rect">
-            <a:avLst/>
-          </a:prstGeom>
-          <a:noFill/>
-          <a:ln>
-            <a:noFill/>
-          </a:ln>
-        </p:spPr>
-        <p:txBody>
-          <a:bodyPr spcFirstLastPara="1" wrap="square" lIns="91425" tIns="91425" rIns="91425" bIns="91425" anchor="ctr" anchorCtr="0">
-            <a:noAutofit/>
-          </a:bodyPr>
-          <a:lstStyle/>
-          <a:p>
-            <a:pPr marL="0" marR="0" lvl="0" indent="0" algn="l" rtl="0">
-              <a:lnSpc>
-                <a:spcPct val="100000"/>
-              </a:lnSpc>
-              <a:spcBef>
-                <a:spcPts val="0"/>
-              </a:spcBef>
-              <a:spcAft>
-                <a:spcPts val="0"/>
-              </a:spcAft>
-              <a:buClr>
-                <a:schemeClr val="dk1"/>
-              </a:buClr>
-              <a:buSzPts val="3000"/>
-              <a:buFont typeface="Quicksand"/>
-              <a:buNone/>
-            </a:pPr>
-            <a:r>
-              <a:rPr lang="en-US" sz="2000" b="1" i="0" u="none" strike="noStrike" cap="none">
-                <a:solidFill>
-                  <a:schemeClr val="dk2"/>
-                </a:solidFill>
-                <a:latin typeface="Noto Sans"/>
-                <a:ea typeface="Noto Sans"/>
-                <a:cs typeface="Noto Sans"/>
-                <a:sym typeface="Noto Sans"/>
-              </a:rPr>
-              <a:t>Appendix</a:t>
-            </a:r>
-            <a:endParaRPr sz="2000" b="1" i="0" u="none" strike="noStrike" cap="none">
-              <a:solidFill>
-                <a:schemeClr val="dk2"/>
-              </a:solidFill>
-              <a:latin typeface="Noto Sans"/>
-              <a:ea typeface="Noto Sans"/>
-              <a:cs typeface="Noto Sans"/>
-              <a:sym typeface="Noto Sans"/>
-            </a:endParaRPr>
-          </a:p>
-        </p:txBody>
-      </p:sp>
-      <p:sp>
-        <p:nvSpPr>
-          <p:cNvPr id="509" name="Google Shape;509;g33c263190d2_1_134"/>
-          <p:cNvSpPr txBox="1">
-            <a:spLocks noGrp="1"/>
-          </p:cNvSpPr>
-          <p:nvPr>
-            <p:ph type="sldNum" idx="12"/>
-          </p:nvPr>
-        </p:nvSpPr>
-        <p:spPr>
-          <a:xfrm>
-            <a:off x="4297650" y="4602875"/>
-            <a:ext cx="548700" cy="333600"/>
-          </a:xfrm>
-          <a:prstGeom prst="rect">
-            <a:avLst/>
-          </a:prstGeom>
-          <a:noFill/>
-          <a:ln>
-            <a:noFill/>
-          </a:ln>
-        </p:spPr>
-        <p:txBody>
-          <a:bodyPr spcFirstLastPara="1" wrap="square" lIns="91425" tIns="91425" rIns="91425" bIns="91425" anchor="t" anchorCtr="0">
-            <a:noAutofit/>
-          </a:bodyPr>
-          <a:lstStyle/>
-          <a:p>
-            <a:pPr marL="0" lvl="0" indent="0" algn="ctr" rtl="0">
-              <a:lnSpc>
-                <a:spcPct val="100000"/>
-              </a:lnSpc>
-              <a:spcBef>
-                <a:spcPts val="0"/>
-              </a:spcBef>
-              <a:spcAft>
-                <a:spcPts val="0"/>
-              </a:spcAft>
-              <a:buSzPts val="1300"/>
-              <a:buNone/>
-            </a:pPr>
-            <a:fld id="{00000000-1234-1234-1234-123412341234}" type="slidenum">
-              <a:rPr lang="en-US">
-                <a:latin typeface="Noto Sans"/>
-                <a:ea typeface="Noto Sans"/>
-                <a:cs typeface="Noto Sans"/>
-                <a:sym typeface="Noto Sans"/>
-              </a:rPr>
-              <a:t>28</a:t>
-            </a:fld>
-            <a:endParaRPr>
-              <a:latin typeface="Noto Sans"/>
-              <a:ea typeface="Noto Sans"/>
-              <a:cs typeface="Noto Sans"/>
-              <a:sym typeface="Noto Sans"/>
-            </a:endParaRPr>
-          </a:p>
-        </p:txBody>
-      </p:sp>
-    </p:spTree>
-  </p:cSld>
-  <p:clrMapOvr>
-    <a:masterClrMapping/>
-  </p:clrMapOvr>
-</p:sld>
-</file>
-
-<file path=ppt/slides/slide29.xml><?xml version="1.0" encoding="utf-8"?>
-<p:sld xmlns:a="http://schemas.openxmlformats.org/drawingml/2006/main" xmlns:r="http://schemas.openxmlformats.org/officeDocument/2006/relationships" xmlns:p="http://schemas.openxmlformats.org/presentationml/2006/main">
-  <p:cSld>
-    <p:spTree>
-      <p:nvGrpSpPr>
         <p:cNvPr id="1" name="Shape 513"/>
         <p:cNvGrpSpPr/>
         <p:nvPr/>
@@ -29291,7 +28822,7 @@
               <a:buNone/>
             </a:pPr>
             <a:r>
-              <a:rPr lang="en-US" sz="2000" b="1" i="0" u="none" strike="noStrike" cap="none">
+              <a:rPr lang="en-US" sz="2000" b="1" i="0" u="none" strike="noStrike" cap="none" dirty="0">
                 <a:solidFill>
                   <a:schemeClr val="dk2"/>
                 </a:solidFill>
@@ -29302,7 +28833,7 @@
               </a:rPr>
               <a:t>Appendix</a:t>
             </a:r>
-            <a:endParaRPr sz="2000" b="1" i="0" u="none" strike="noStrike" cap="none">
+            <a:endParaRPr sz="2000" b="1" i="0" u="none" strike="noStrike" cap="none" dirty="0">
               <a:solidFill>
                 <a:schemeClr val="dk2"/>
               </a:solidFill>
@@ -29314,90 +28845,6 @@
           </a:p>
         </p:txBody>
       </p:sp>
-      <p:pic>
-        <p:nvPicPr>
-          <p:cNvPr id="515" name="Google Shape;515;g33c263190d2_1_146"/>
-          <p:cNvPicPr preferRelativeResize="0"/>
-          <p:nvPr/>
-        </p:nvPicPr>
-        <p:blipFill>
-          <a:blip r:embed="rId3">
-            <a:alphaModFix/>
-          </a:blip>
-          <a:stretch>
-            <a:fillRect/>
-          </a:stretch>
-        </p:blipFill>
-        <p:spPr>
-          <a:xfrm>
-            <a:off x="5096375" y="2731475"/>
-            <a:ext cx="3509425" cy="1910575"/>
-          </a:xfrm>
-          <a:prstGeom prst="rect">
-            <a:avLst/>
-          </a:prstGeom>
-          <a:noFill/>
-          <a:ln>
-            <a:noFill/>
-          </a:ln>
-        </p:spPr>
-      </p:pic>
-      <p:pic>
-        <p:nvPicPr>
-          <p:cNvPr id="516" name="Google Shape;516;g33c263190d2_1_146"/>
-          <p:cNvPicPr preferRelativeResize="0"/>
-          <p:nvPr/>
-        </p:nvPicPr>
-        <p:blipFill>
-          <a:blip r:embed="rId4">
-            <a:alphaModFix/>
-          </a:blip>
-          <a:stretch>
-            <a:fillRect/>
-          </a:stretch>
-        </p:blipFill>
-        <p:spPr>
-          <a:xfrm>
-            <a:off x="5096375" y="841750"/>
-            <a:ext cx="3509426" cy="1889723"/>
-          </a:xfrm>
-          <a:prstGeom prst="rect">
-            <a:avLst/>
-          </a:prstGeom>
-          <a:noFill/>
-          <a:ln>
-            <a:noFill/>
-          </a:ln>
-        </p:spPr>
-      </p:pic>
-      <p:pic>
-        <p:nvPicPr>
-          <p:cNvPr id="517" name="Google Shape;517;g33c263190d2_1_146"/>
-          <p:cNvPicPr preferRelativeResize="0"/>
-          <p:nvPr/>
-        </p:nvPicPr>
-        <p:blipFill>
-          <a:blip r:embed="rId5">
-            <a:alphaModFix/>
-          </a:blip>
-          <a:stretch>
-            <a:fillRect/>
-          </a:stretch>
-        </p:blipFill>
-        <p:spPr>
-          <a:xfrm>
-            <a:off x="1102919" y="1915502"/>
-            <a:ext cx="3446025" cy="2252775"/>
-          </a:xfrm>
-          <a:prstGeom prst="rect">
-            <a:avLst/>
-          </a:prstGeom>
-          <a:noFill/>
-          <a:ln>
-            <a:noFill/>
-          </a:ln>
-        </p:spPr>
-      </p:pic>
       <p:sp>
         <p:nvSpPr>
           <p:cNvPr id="518" name="Google Shape;518;g33c263190d2_1_146"/>
@@ -29438,18 +28885,54 @@
               <a:buNone/>
             </a:pPr>
             <a:r>
-              <a:rPr lang="en-US" sz="1300" b="1">
-                <a:solidFill>
-                  <a:srgbClr val="191919"/>
-                </a:solidFill>
-                <a:latin typeface="Noto Sans"/>
-                <a:ea typeface="Noto Sans"/>
-                <a:cs typeface="Noto Sans"/>
-                <a:sym typeface="Noto Sans"/>
-              </a:rPr>
-              <a:t>15runs에 대한 learning rate, accuracy, loss 그래프</a:t>
-            </a:r>
-            <a:endParaRPr/>
+              <a:rPr lang="en-US" sz="1300" b="1" dirty="0">
+                <a:solidFill>
+                  <a:srgbClr val="191919"/>
+                </a:solidFill>
+                <a:latin typeface="Noto Sans"/>
+                <a:ea typeface="Noto Sans"/>
+                <a:cs typeface="Noto Sans"/>
+                <a:sym typeface="Noto Sans"/>
+              </a:rPr>
+              <a:t>10runs에 </a:t>
+            </a:r>
+            <a:r>
+              <a:rPr lang="en-US" sz="1300" b="1" dirty="0" err="1">
+                <a:solidFill>
+                  <a:srgbClr val="191919"/>
+                </a:solidFill>
+                <a:latin typeface="Noto Sans"/>
+                <a:ea typeface="Noto Sans"/>
+                <a:cs typeface="Noto Sans"/>
+                <a:sym typeface="Noto Sans"/>
+              </a:rPr>
+              <a:t>대한</a:t>
+            </a:r>
+            <a:r>
+              <a:rPr lang="en-US" sz="1300" b="1" dirty="0">
+                <a:solidFill>
+                  <a:srgbClr val="191919"/>
+                </a:solidFill>
+                <a:latin typeface="Noto Sans"/>
+                <a:ea typeface="Noto Sans"/>
+                <a:cs typeface="Noto Sans"/>
+                <a:sym typeface="Noto Sans"/>
+              </a:rPr>
+              <a:t> </a:t>
+            </a:r>
+            <a:r>
+              <a:rPr lang="ko-KR" altLang="en-US" sz="1300" b="1" dirty="0">
+                <a:solidFill>
+                  <a:srgbClr val="191919"/>
+                </a:solidFill>
+                <a:latin typeface="Noto Sans"/>
+                <a:ea typeface="Noto Sans"/>
+                <a:cs typeface="Noto Sans"/>
+                <a:sym typeface="Noto Sans"/>
+              </a:rPr>
+              <a:t>추가 정보 그래프</a:t>
+            </a:r>
+            <a:endParaRPr dirty="0"/>
           </a:p>
           <a:p>
             <a:pPr marL="0" marR="0" lvl="0" indent="0" algn="l" rtl="0">
@@ -29469,7 +28952,7 @@
               <a:buFont typeface="Quicksand"/>
               <a:buNone/>
             </a:pPr>
-            <a:endParaRPr sz="1200" b="1">
+            <a:endParaRPr sz="1200" b="1" dirty="0">
               <a:solidFill>
                 <a:srgbClr val="191919"/>
               </a:solidFill>
@@ -29530,6 +29013,181 @@
                 <a:cs typeface="Noto Sans"/>
                 <a:sym typeface="Noto Sans"/>
               </a:rPr>
+              <a:t>28</a:t>
+            </a:fld>
+            <a:endParaRPr>
+              <a:latin typeface="Noto Sans"/>
+              <a:ea typeface="Noto Sans"/>
+              <a:cs typeface="Noto Sans"/>
+              <a:sym typeface="Noto Sans"/>
+            </a:endParaRPr>
+          </a:p>
+        </p:txBody>
+      </p:sp>
+      <p:pic>
+        <p:nvPicPr>
+          <p:cNvPr id="3" name="그림 2">
+            <a:extLst>
+              <a:ext uri="{FF2B5EF4-FFF2-40B4-BE49-F238E27FC236}">
+                <a16:creationId xmlns:a16="http://schemas.microsoft.com/office/drawing/2014/main" id="{4D901587-9EBE-47D5-B5AF-DFF8C9C59091}"/>
+              </a:ext>
+            </a:extLst>
+          </p:cNvPr>
+          <p:cNvPicPr>
+            <a:picLocks noChangeAspect="1"/>
+          </p:cNvPicPr>
+          <p:nvPr/>
+        </p:nvPicPr>
+        <p:blipFill>
+          <a:blip r:embed="rId3"/>
+          <a:stretch>
+            <a:fillRect/>
+          </a:stretch>
+        </p:blipFill>
+        <p:spPr>
+          <a:xfrm>
+            <a:off x="5096225" y="2613350"/>
+            <a:ext cx="3509575" cy="2029090"/>
+          </a:xfrm>
+          <a:prstGeom prst="rect">
+            <a:avLst/>
+          </a:prstGeom>
+        </p:spPr>
+      </p:pic>
+      <p:pic>
+        <p:nvPicPr>
+          <p:cNvPr id="5" name="그림 4">
+            <a:extLst>
+              <a:ext uri="{FF2B5EF4-FFF2-40B4-BE49-F238E27FC236}">
+                <a16:creationId xmlns:a16="http://schemas.microsoft.com/office/drawing/2014/main" id="{11DDAF5D-5E1D-4714-ACF1-F08F5EE60B00}"/>
+              </a:ext>
+            </a:extLst>
+          </p:cNvPr>
+          <p:cNvPicPr>
+            <a:picLocks noChangeAspect="1"/>
+          </p:cNvPicPr>
+          <p:nvPr/>
+        </p:nvPicPr>
+        <p:blipFill>
+          <a:blip r:embed="rId4"/>
+          <a:stretch>
+            <a:fillRect/>
+          </a:stretch>
+        </p:blipFill>
+        <p:spPr>
+          <a:xfrm>
+            <a:off x="825510" y="1712969"/>
+            <a:ext cx="3759450" cy="2079696"/>
+          </a:xfrm>
+          <a:prstGeom prst="rect">
+            <a:avLst/>
+          </a:prstGeom>
+        </p:spPr>
+      </p:pic>
+      <p:pic>
+        <p:nvPicPr>
+          <p:cNvPr id="7" name="그림 6">
+            <a:extLst>
+              <a:ext uri="{FF2B5EF4-FFF2-40B4-BE49-F238E27FC236}">
+                <a16:creationId xmlns:a16="http://schemas.microsoft.com/office/drawing/2014/main" id="{8CF7418D-9744-4EFF-88E8-8A5EED35BEB8}"/>
+              </a:ext>
+            </a:extLst>
+          </p:cNvPr>
+          <p:cNvPicPr>
+            <a:picLocks noChangeAspect="1"/>
+          </p:cNvPicPr>
+          <p:nvPr/>
+        </p:nvPicPr>
+        <p:blipFill>
+          <a:blip r:embed="rId5"/>
+          <a:stretch>
+            <a:fillRect/>
+          </a:stretch>
+        </p:blipFill>
+        <p:spPr>
+          <a:xfrm>
+            <a:off x="5096224" y="592749"/>
+            <a:ext cx="3509575" cy="1984000"/>
+          </a:xfrm>
+          <a:prstGeom prst="rect">
+            <a:avLst/>
+          </a:prstGeom>
+        </p:spPr>
+      </p:pic>
+    </p:spTree>
+  </p:cSld>
+  <p:clrMapOvr>
+    <a:masterClrMapping/>
+  </p:clrMapOvr>
+</p:sld>
+</file>
+
+<file path=ppt/slides/slide29.xml><?xml version="1.0" encoding="utf-8"?>
+<p:sld xmlns:a="http://schemas.openxmlformats.org/drawingml/2006/main" xmlns:r="http://schemas.openxmlformats.org/officeDocument/2006/relationships" xmlns:p="http://schemas.openxmlformats.org/presentationml/2006/main">
+  <p:cSld>
+    <p:spTree>
+      <p:nvGrpSpPr>
+        <p:cNvPr id="1" name="Shape 390"/>
+        <p:cNvGrpSpPr/>
+        <p:nvPr/>
+      </p:nvGrpSpPr>
+      <p:grpSpPr>
+        <a:xfrm>
+          <a:off x="0" y="0"/>
+          <a:ext cx="0" cy="0"/>
+          <a:chOff x="0" y="0"/>
+          <a:chExt cx="0" cy="0"/>
+        </a:xfrm>
+      </p:grpSpPr>
+      <p:sp>
+        <p:nvSpPr>
+          <p:cNvPr id="391" name="Google Shape;391;p19"/>
+          <p:cNvSpPr txBox="1">
+            <a:spLocks noGrp="1"/>
+          </p:cNvSpPr>
+          <p:nvPr>
+            <p:ph type="sldNum" idx="12"/>
+          </p:nvPr>
+        </p:nvSpPr>
+        <p:spPr>
+          <a:xfrm>
+            <a:off x="4320510" y="4618115"/>
+            <a:ext cx="548700" cy="333600"/>
+          </a:xfrm>
+          <a:prstGeom prst="rect">
+            <a:avLst/>
+          </a:prstGeom>
+          <a:noFill/>
+          <a:ln>
+            <a:noFill/>
+          </a:ln>
+        </p:spPr>
+        <p:txBody>
+          <a:bodyPr spcFirstLastPara="1" wrap="square" lIns="91425" tIns="91425" rIns="91425" bIns="91425" anchor="t" anchorCtr="0">
+            <a:noAutofit/>
+          </a:bodyPr>
+          <a:lstStyle/>
+          <a:p>
+            <a:pPr marL="0" lvl="0" indent="0" algn="ctr" rtl="0">
+              <a:lnSpc>
+                <a:spcPct val="100000"/>
+              </a:lnSpc>
+              <a:spcBef>
+                <a:spcPts val="0"/>
+              </a:spcBef>
+              <a:spcAft>
+                <a:spcPts val="0"/>
+              </a:spcAft>
+              <a:buSzPts val="1300"/>
+              <a:buNone/>
+            </a:pPr>
+            <a:fld id="{00000000-1234-1234-1234-123412341234}" type="slidenum">
+              <a:rPr lang="en-US">
+                <a:latin typeface="Noto Sans"/>
+                <a:ea typeface="Noto Sans"/>
+                <a:cs typeface="Noto Sans"/>
+                <a:sym typeface="Noto Sans"/>
+              </a:rPr>
               <a:t>29</a:t>
             </a:fld>
             <a:endParaRPr>
@@ -29541,7 +29199,922 @@
           </a:p>
         </p:txBody>
       </p:sp>
+      <p:pic>
+        <p:nvPicPr>
+          <p:cNvPr id="14" name="그림 13">
+            <a:extLst>
+              <a:ext uri="{FF2B5EF4-FFF2-40B4-BE49-F238E27FC236}">
+                <a16:creationId xmlns:a16="http://schemas.microsoft.com/office/drawing/2014/main" id="{8717D98C-B4B6-4589-AC48-C4A5E025A3C7}"/>
+              </a:ext>
+            </a:extLst>
+          </p:cNvPr>
+          <p:cNvPicPr>
+            <a:picLocks noChangeAspect="1"/>
+          </p:cNvPicPr>
+          <p:nvPr/>
+        </p:nvPicPr>
+        <p:blipFill>
+          <a:blip r:embed="rId3"/>
+          <a:stretch>
+            <a:fillRect/>
+          </a:stretch>
+        </p:blipFill>
+        <p:spPr>
+          <a:xfrm>
+            <a:off x="3423742" y="2708908"/>
+            <a:ext cx="5503951" cy="1596683"/>
+          </a:xfrm>
+          <a:prstGeom prst="rect">
+            <a:avLst/>
+          </a:prstGeom>
+        </p:spPr>
+      </p:pic>
+      <p:graphicFrame>
+        <p:nvGraphicFramePr>
+          <p:cNvPr id="16" name="Google Shape;339;p17">
+            <a:extLst>
+              <a:ext uri="{FF2B5EF4-FFF2-40B4-BE49-F238E27FC236}">
+                <a16:creationId xmlns:a16="http://schemas.microsoft.com/office/drawing/2014/main" id="{00A1A915-99D9-4FF1-B96E-8A0B2E87B37A}"/>
+              </a:ext>
+            </a:extLst>
+          </p:cNvPr>
+          <p:cNvGraphicFramePr/>
+          <p:nvPr>
+            <p:extLst>
+              <p:ext uri="{D42A27DB-BD31-4B8C-83A1-F6EECF244321}">
+                <p14:modId xmlns:p14="http://schemas.microsoft.com/office/powerpoint/2010/main" val="739374370"/>
+              </p:ext>
+            </p:extLst>
+          </p:nvPr>
+        </p:nvGraphicFramePr>
+        <p:xfrm>
+          <a:off x="745154" y="2812258"/>
+          <a:ext cx="2457090" cy="1377115"/>
+        </p:xfrm>
+        <a:graphic>
+          <a:graphicData uri="http://schemas.openxmlformats.org/drawingml/2006/table">
+            <a:tbl>
+              <a:tblPr firstRow="1" bandRow="1">
+                <a:noFill/>
+                <a:tableStyleId>{0E960ED9-19F6-4A84-85BA-78F865012872}</a:tableStyleId>
+              </a:tblPr>
+              <a:tblGrid>
+                <a:gridCol w="832271">
+                  <a:extLst>
+                    <a:ext uri="{9D8B030D-6E8A-4147-A177-3AD203B41FA5}">
+                      <a16:colId xmlns:a16="http://schemas.microsoft.com/office/drawing/2014/main" val="20000"/>
+                    </a:ext>
+                  </a:extLst>
+                </a:gridCol>
+                <a:gridCol w="1624819">
+                  <a:extLst>
+                    <a:ext uri="{9D8B030D-6E8A-4147-A177-3AD203B41FA5}">
+                      <a16:colId xmlns:a16="http://schemas.microsoft.com/office/drawing/2014/main" val="20001"/>
+                    </a:ext>
+                  </a:extLst>
+                </a:gridCol>
+              </a:tblGrid>
+              <a:tr h="171630">
+                <a:tc>
+                  <a:txBody>
+                    <a:bodyPr/>
+                    <a:lstStyle/>
+                    <a:p>
+                      <a:pPr marL="0" marR="0" lvl="0" indent="0" algn="l" rtl="0">
+                        <a:lnSpc>
+                          <a:spcPct val="100000"/>
+                        </a:lnSpc>
+                        <a:spcBef>
+                          <a:spcPts val="0"/>
+                        </a:spcBef>
+                        <a:spcAft>
+                          <a:spcPts val="0"/>
+                        </a:spcAft>
+                        <a:buNone/>
+                      </a:pPr>
+                      <a:r>
+                        <a:rPr lang="en-US" sz="600" b="1" u="none" strike="noStrike" cap="none"/>
+                        <a:t>hyperparameter</a:t>
+                      </a:r>
+                      <a:endParaRPr sz="600" b="1" u="none" strike="noStrike" cap="none"/>
+                    </a:p>
+                  </a:txBody>
+                  <a:tcPr marL="91450" marR="91450" marT="45725" marB="45725">
+                    <a:solidFill>
+                      <a:srgbClr val="7D7D7D"/>
+                    </a:solidFill>
+                  </a:tcPr>
+                </a:tc>
+                <a:tc>
+                  <a:txBody>
+                    <a:bodyPr/>
+                    <a:lstStyle/>
+                    <a:p>
+                      <a:pPr marL="0" marR="0" lvl="0" indent="0" algn="l" rtl="0">
+                        <a:lnSpc>
+                          <a:spcPct val="100000"/>
+                        </a:lnSpc>
+                        <a:spcBef>
+                          <a:spcPts val="0"/>
+                        </a:spcBef>
+                        <a:spcAft>
+                          <a:spcPts val="0"/>
+                        </a:spcAft>
+                        <a:buNone/>
+                      </a:pPr>
+                      <a:r>
+                        <a:rPr lang="en-US" sz="600" b="1" u="none" strike="noStrike" cap="none" dirty="0"/>
+                        <a:t>values</a:t>
+                      </a:r>
+                      <a:endParaRPr sz="600" b="1" u="none" strike="noStrike" cap="none" dirty="0"/>
+                    </a:p>
+                  </a:txBody>
+                  <a:tcPr marL="91450" marR="91450" marT="45725" marB="45725">
+                    <a:solidFill>
+                      <a:srgbClr val="7D7D7D"/>
+                    </a:solidFill>
+                  </a:tcPr>
+                </a:tc>
+                <a:extLst>
+                  <a:ext uri="{0D108BD9-81ED-4DB2-BD59-A6C34878D82A}">
+                    <a16:rowId xmlns:a16="http://schemas.microsoft.com/office/drawing/2014/main" val="10000"/>
+                  </a:ext>
+                </a:extLst>
+              </a:tr>
+              <a:tr h="134284">
+                <a:tc>
+                  <a:txBody>
+                    <a:bodyPr/>
+                    <a:lstStyle/>
+                    <a:p>
+                      <a:pPr marL="0" marR="0" lvl="0" indent="0" algn="l" rtl="0">
+                        <a:lnSpc>
+                          <a:spcPct val="100000"/>
+                        </a:lnSpc>
+                        <a:spcBef>
+                          <a:spcPts val="0"/>
+                        </a:spcBef>
+                        <a:spcAft>
+                          <a:spcPts val="0"/>
+                        </a:spcAft>
+                        <a:buNone/>
+                      </a:pPr>
+                      <a:r>
+                        <a:rPr lang="en-US" sz="600" u="none" strike="noStrike" cap="none" dirty="0"/>
+                        <a:t>epoch</a:t>
+                      </a:r>
+                      <a:endParaRPr sz="600" u="none" strike="noStrike" cap="none" dirty="0"/>
+                    </a:p>
+                  </a:txBody>
+                  <a:tcPr marL="91450" marR="91450" marT="45725" marB="45725">
+                    <a:solidFill>
+                      <a:srgbClr val="BBBBBB"/>
+                    </a:solidFill>
+                  </a:tcPr>
+                </a:tc>
+                <a:tc>
+                  <a:txBody>
+                    <a:bodyPr/>
+                    <a:lstStyle/>
+                    <a:p>
+                      <a:pPr marL="0" marR="0" lvl="0" indent="0" algn="l" rtl="0">
+                        <a:lnSpc>
+                          <a:spcPct val="100000"/>
+                        </a:lnSpc>
+                        <a:spcBef>
+                          <a:spcPts val="0"/>
+                        </a:spcBef>
+                        <a:spcAft>
+                          <a:spcPts val="0"/>
+                        </a:spcAft>
+                        <a:buNone/>
+                      </a:pPr>
+                      <a:r>
+                        <a:rPr lang="en-US" sz="600" u="none" strike="noStrike" cap="none" dirty="0"/>
+                        <a:t>3 ~ 9</a:t>
+                      </a:r>
+                      <a:endParaRPr sz="600" u="none" strike="noStrike" cap="none" dirty="0"/>
+                    </a:p>
+                  </a:txBody>
+                  <a:tcPr marL="91450" marR="91450" marT="45725" marB="45725">
+                    <a:solidFill>
+                      <a:srgbClr val="BBBBBB"/>
+                    </a:solidFill>
+                  </a:tcPr>
+                </a:tc>
+                <a:extLst>
+                  <a:ext uri="{0D108BD9-81ED-4DB2-BD59-A6C34878D82A}">
+                    <a16:rowId xmlns:a16="http://schemas.microsoft.com/office/drawing/2014/main" val="10001"/>
+                  </a:ext>
+                </a:extLst>
+              </a:tr>
+              <a:tr h="134284">
+                <a:tc>
+                  <a:txBody>
+                    <a:bodyPr/>
+                    <a:lstStyle/>
+                    <a:p>
+                      <a:pPr marL="0" marR="0" lvl="0" indent="0" algn="l" rtl="0">
+                        <a:lnSpc>
+                          <a:spcPct val="100000"/>
+                        </a:lnSpc>
+                        <a:spcBef>
+                          <a:spcPts val="0"/>
+                        </a:spcBef>
+                        <a:spcAft>
+                          <a:spcPts val="0"/>
+                        </a:spcAft>
+                        <a:buNone/>
+                      </a:pPr>
+                      <a:r>
+                        <a:rPr lang="en-US" sz="600" u="none" strike="noStrike" cap="none"/>
+                        <a:t>Batch size</a:t>
+                      </a:r>
+                      <a:endParaRPr sz="600" u="none" strike="noStrike" cap="none"/>
+                    </a:p>
+                  </a:txBody>
+                  <a:tcPr marL="91450" marR="91450" marT="45725" marB="45725">
+                    <a:solidFill>
+                      <a:srgbClr val="BBBBBB"/>
+                    </a:solidFill>
+                  </a:tcPr>
+                </a:tc>
+                <a:tc>
+                  <a:txBody>
+                    <a:bodyPr/>
+                    <a:lstStyle/>
+                    <a:p>
+                      <a:pPr marL="0" marR="0" lvl="0" indent="0" algn="l" rtl="0">
+                        <a:lnSpc>
+                          <a:spcPct val="100000"/>
+                        </a:lnSpc>
+                        <a:spcBef>
+                          <a:spcPts val="0"/>
+                        </a:spcBef>
+                        <a:spcAft>
+                          <a:spcPts val="0"/>
+                        </a:spcAft>
+                        <a:buNone/>
+                      </a:pPr>
+                      <a:r>
+                        <a:rPr lang="en-US" sz="600" u="none" strike="noStrike" cap="none" dirty="0"/>
+                        <a:t>32,64,128</a:t>
+                      </a:r>
+                      <a:endParaRPr sz="600" u="none" strike="noStrike" cap="none" dirty="0"/>
+                    </a:p>
+                  </a:txBody>
+                  <a:tcPr marL="91450" marR="91450" marT="45725" marB="45725">
+                    <a:solidFill>
+                      <a:srgbClr val="BBBBBB"/>
+                    </a:solidFill>
+                  </a:tcPr>
+                </a:tc>
+                <a:extLst>
+                  <a:ext uri="{0D108BD9-81ED-4DB2-BD59-A6C34878D82A}">
+                    <a16:rowId xmlns:a16="http://schemas.microsoft.com/office/drawing/2014/main" val="10002"/>
+                  </a:ext>
+                </a:extLst>
+              </a:tr>
+              <a:tr h="188335">
+                <a:tc>
+                  <a:txBody>
+                    <a:bodyPr/>
+                    <a:lstStyle/>
+                    <a:p>
+                      <a:pPr marL="0" marR="0" lvl="0" indent="0" algn="l" rtl="0">
+                        <a:lnSpc>
+                          <a:spcPct val="100000"/>
+                        </a:lnSpc>
+                        <a:spcBef>
+                          <a:spcPts val="0"/>
+                        </a:spcBef>
+                        <a:spcAft>
+                          <a:spcPts val="0"/>
+                        </a:spcAft>
+                        <a:buNone/>
+                      </a:pPr>
+                      <a:r>
+                        <a:rPr lang="en-US" sz="600" u="none" strike="noStrike" cap="none"/>
+                        <a:t>Optimizer</a:t>
+                      </a:r>
+                      <a:endParaRPr sz="600" u="none" strike="noStrike" cap="none"/>
+                    </a:p>
+                  </a:txBody>
+                  <a:tcPr marL="91450" marR="91450" marT="45725" marB="45725">
+                    <a:solidFill>
+                      <a:srgbClr val="BBBBBB"/>
+                    </a:solidFill>
+                  </a:tcPr>
+                </a:tc>
+                <a:tc>
+                  <a:txBody>
+                    <a:bodyPr/>
+                    <a:lstStyle/>
+                    <a:p>
+                      <a:pPr marL="0" marR="0" lvl="0" indent="0" algn="l" rtl="0">
+                        <a:lnSpc>
+                          <a:spcPct val="100000"/>
+                        </a:lnSpc>
+                        <a:spcBef>
+                          <a:spcPts val="0"/>
+                        </a:spcBef>
+                        <a:spcAft>
+                          <a:spcPts val="0"/>
+                        </a:spcAft>
+                        <a:buNone/>
+                      </a:pPr>
+                      <a:r>
+                        <a:rPr lang="en-US" sz="600" u="none" strike="noStrike" cap="none"/>
+                        <a:t>AdamW( betas(0.9, 0.999), eps = 1e-8, weight decay = 0.01)</a:t>
+                      </a:r>
+                      <a:endParaRPr sz="600" u="none" strike="noStrike" cap="none"/>
+                    </a:p>
+                  </a:txBody>
+                  <a:tcPr marL="91450" marR="91450" marT="45725" marB="45725">
+                    <a:solidFill>
+                      <a:srgbClr val="BBBBBB"/>
+                    </a:solidFill>
+                  </a:tcPr>
+                </a:tc>
+                <a:extLst>
+                  <a:ext uri="{0D108BD9-81ED-4DB2-BD59-A6C34878D82A}">
+                    <a16:rowId xmlns:a16="http://schemas.microsoft.com/office/drawing/2014/main" val="10003"/>
+                  </a:ext>
+                </a:extLst>
+              </a:tr>
+              <a:tr h="188335">
+                <a:tc>
+                  <a:txBody>
+                    <a:bodyPr/>
+                    <a:lstStyle/>
+                    <a:p>
+                      <a:pPr marL="0" marR="0" lvl="0" indent="0" algn="l" rtl="0">
+                        <a:lnSpc>
+                          <a:spcPct val="100000"/>
+                        </a:lnSpc>
+                        <a:spcBef>
+                          <a:spcPts val="0"/>
+                        </a:spcBef>
+                        <a:spcAft>
+                          <a:spcPts val="0"/>
+                        </a:spcAft>
+                        <a:buNone/>
+                      </a:pPr>
+                      <a:r>
+                        <a:rPr lang="en-US" sz="600" u="none" strike="noStrike" cap="none"/>
+                        <a:t>Learning rate</a:t>
+                      </a:r>
+                      <a:endParaRPr sz="600" u="none" strike="noStrike" cap="none"/>
+                    </a:p>
+                  </a:txBody>
+                  <a:tcPr marL="91450" marR="91450" marT="45725" marB="45725">
+                    <a:solidFill>
+                      <a:srgbClr val="BBBBBB"/>
+                    </a:solidFill>
+                  </a:tcPr>
+                </a:tc>
+                <a:tc>
+                  <a:txBody>
+                    <a:bodyPr/>
+                    <a:lstStyle/>
+                    <a:p>
+                      <a:pPr marL="0" marR="0" lvl="0" indent="0" algn="l" rtl="0">
+                        <a:lnSpc>
+                          <a:spcPct val="100000"/>
+                        </a:lnSpc>
+                        <a:spcBef>
+                          <a:spcPts val="0"/>
+                        </a:spcBef>
+                        <a:spcAft>
+                          <a:spcPts val="0"/>
+                        </a:spcAft>
+                        <a:buNone/>
+                      </a:pPr>
+                      <a:r>
+                        <a:rPr lang="en-US" sz="600" u="none" strike="noStrike" cap="none" dirty="0"/>
+                        <a:t>0.1 , 0.01, 0.001</a:t>
+                      </a:r>
+                      <a:endParaRPr sz="600" u="none" strike="noStrike" cap="none" dirty="0"/>
+                    </a:p>
+                  </a:txBody>
+                  <a:tcPr marL="91450" marR="91450" marT="45725" marB="45725">
+                    <a:solidFill>
+                      <a:srgbClr val="BBBBBB"/>
+                    </a:solidFill>
+                  </a:tcPr>
+                </a:tc>
+                <a:extLst>
+                  <a:ext uri="{0D108BD9-81ED-4DB2-BD59-A6C34878D82A}">
+                    <a16:rowId xmlns:a16="http://schemas.microsoft.com/office/drawing/2014/main" val="10004"/>
+                  </a:ext>
+                </a:extLst>
+              </a:tr>
+              <a:tr h="134284">
+                <a:tc>
+                  <a:txBody>
+                    <a:bodyPr/>
+                    <a:lstStyle/>
+                    <a:p>
+                      <a:pPr marL="0" marR="0" lvl="0" indent="0" algn="l" rtl="0">
+                        <a:lnSpc>
+                          <a:spcPct val="100000"/>
+                        </a:lnSpc>
+                        <a:spcBef>
+                          <a:spcPts val="0"/>
+                        </a:spcBef>
+                        <a:spcAft>
+                          <a:spcPts val="0"/>
+                        </a:spcAft>
+                        <a:buNone/>
+                      </a:pPr>
+                      <a:r>
+                        <a:rPr lang="en-US" sz="600" u="none" strike="noStrike" cap="none"/>
+                        <a:t>Method</a:t>
+                      </a:r>
+                      <a:endParaRPr sz="600" u="none" strike="noStrike" cap="none"/>
+                    </a:p>
+                  </a:txBody>
+                  <a:tcPr marL="91450" marR="91450" marT="45725" marB="45725">
+                    <a:solidFill>
+                      <a:srgbClr val="BBBBBB"/>
+                    </a:solidFill>
+                  </a:tcPr>
+                </a:tc>
+                <a:tc>
+                  <a:txBody>
+                    <a:bodyPr/>
+                    <a:lstStyle/>
+                    <a:p>
+                      <a:pPr marL="0" marR="0" lvl="0" indent="0" algn="l" rtl="0">
+                        <a:lnSpc>
+                          <a:spcPct val="100000"/>
+                        </a:lnSpc>
+                        <a:spcBef>
+                          <a:spcPts val="0"/>
+                        </a:spcBef>
+                        <a:spcAft>
+                          <a:spcPts val="0"/>
+                        </a:spcAft>
+                        <a:buNone/>
+                      </a:pPr>
+                      <a:r>
+                        <a:rPr lang="en-US" sz="600" u="none" strike="noStrike" cap="none"/>
+                        <a:t>random</a:t>
+                      </a:r>
+                      <a:endParaRPr sz="600" u="none" strike="noStrike" cap="none"/>
+                    </a:p>
+                  </a:txBody>
+                  <a:tcPr marL="91450" marR="91450" marT="45725" marB="45725">
+                    <a:solidFill>
+                      <a:srgbClr val="BBBBBB"/>
+                    </a:solidFill>
+                  </a:tcPr>
+                </a:tc>
+                <a:extLst>
+                  <a:ext uri="{0D108BD9-81ED-4DB2-BD59-A6C34878D82A}">
+                    <a16:rowId xmlns:a16="http://schemas.microsoft.com/office/drawing/2014/main" val="10005"/>
+                  </a:ext>
+                </a:extLst>
+              </a:tr>
+              <a:tr h="134284">
+                <a:tc>
+                  <a:txBody>
+                    <a:bodyPr/>
+                    <a:lstStyle/>
+                    <a:p>
+                      <a:pPr marL="0" marR="0" lvl="0" indent="0" algn="l" rtl="0">
+                        <a:lnSpc>
+                          <a:spcPct val="100000"/>
+                        </a:lnSpc>
+                        <a:spcBef>
+                          <a:spcPts val="0"/>
+                        </a:spcBef>
+                        <a:spcAft>
+                          <a:spcPts val="0"/>
+                        </a:spcAft>
+                        <a:buNone/>
+                      </a:pPr>
+                      <a:r>
+                        <a:rPr lang="en-US" sz="600" dirty="0"/>
+                        <a:t>dropout</a:t>
+                      </a:r>
+                      <a:endParaRPr sz="600" u="none" strike="noStrike" cap="none" dirty="0"/>
+                    </a:p>
+                  </a:txBody>
+                  <a:tcPr marL="91450" marR="91450" marT="45725" marB="45725">
+                    <a:solidFill>
+                      <a:srgbClr val="BBBBBB"/>
+                    </a:solidFill>
+                  </a:tcPr>
+                </a:tc>
+                <a:tc>
+                  <a:txBody>
+                    <a:bodyPr/>
+                    <a:lstStyle/>
+                    <a:p>
+                      <a:pPr marL="0" marR="0" lvl="0" indent="0" algn="l" rtl="0">
+                        <a:lnSpc>
+                          <a:spcPct val="100000"/>
+                        </a:lnSpc>
+                        <a:spcBef>
+                          <a:spcPts val="0"/>
+                        </a:spcBef>
+                        <a:spcAft>
+                          <a:spcPts val="0"/>
+                        </a:spcAft>
+                        <a:buNone/>
+                      </a:pPr>
+                      <a:r>
+                        <a:rPr lang="en-US" sz="600" dirty="0"/>
+                        <a:t>0.1</a:t>
+                      </a:r>
+                      <a:endParaRPr sz="600" u="none" strike="noStrike" cap="none" dirty="0"/>
+                    </a:p>
+                  </a:txBody>
+                  <a:tcPr marL="91450" marR="91450" marT="45725" marB="45725">
+                    <a:solidFill>
+                      <a:srgbClr val="BBBBBB"/>
+                    </a:solidFill>
+                  </a:tcPr>
+                </a:tc>
+                <a:extLst>
+                  <a:ext uri="{0D108BD9-81ED-4DB2-BD59-A6C34878D82A}">
+                    <a16:rowId xmlns:a16="http://schemas.microsoft.com/office/drawing/2014/main" val="10006"/>
+                  </a:ext>
+                </a:extLst>
+              </a:tr>
+            </a:tbl>
+          </a:graphicData>
+        </a:graphic>
+      </p:graphicFrame>
+      <p:sp>
+        <p:nvSpPr>
+          <p:cNvPr id="19" name="Google Shape;394;p19">
+            <a:extLst>
+              <a:ext uri="{FF2B5EF4-FFF2-40B4-BE49-F238E27FC236}">
+                <a16:creationId xmlns:a16="http://schemas.microsoft.com/office/drawing/2014/main" id="{E0CB9B74-EF96-4743-B6F8-36884D324186}"/>
+              </a:ext>
+            </a:extLst>
+          </p:cNvPr>
+          <p:cNvSpPr txBox="1"/>
+          <p:nvPr/>
+        </p:nvSpPr>
+        <p:spPr>
+          <a:xfrm>
+            <a:off x="528796" y="1597924"/>
+            <a:ext cx="3000229" cy="619496"/>
+          </a:xfrm>
+          <a:prstGeom prst="rect">
+            <a:avLst/>
+          </a:prstGeom>
+          <a:noFill/>
+          <a:ln>
+            <a:noFill/>
+          </a:ln>
+        </p:spPr>
+        <p:txBody>
+          <a:bodyPr spcFirstLastPara="1" wrap="square" lIns="91425" tIns="91425" rIns="91425" bIns="91425" anchor="t" anchorCtr="0">
+            <a:noAutofit/>
+          </a:bodyPr>
+          <a:lstStyle/>
+          <a:p>
+            <a:pPr marL="171450" marR="0" lvl="0" indent="-171450" algn="l" rtl="0">
+              <a:lnSpc>
+                <a:spcPct val="100000"/>
+              </a:lnSpc>
+              <a:spcBef>
+                <a:spcPts val="0"/>
+              </a:spcBef>
+              <a:spcAft>
+                <a:spcPts val="0"/>
+              </a:spcAft>
+              <a:buClr>
+                <a:schemeClr val="dk1"/>
+              </a:buClr>
+              <a:buSzPts val="1100"/>
+              <a:buFont typeface="Arial" panose="020B0604020202020204" pitchFamily="34" charset="0"/>
+              <a:buChar char="•"/>
+            </a:pPr>
+            <a:r>
+              <a:rPr lang="ko-KR" altLang="en-US" sz="1000" dirty="0" err="1">
+                <a:latin typeface="Noto Sans" panose="020B0502040504020204" pitchFamily="34" charset="0"/>
+                <a:ea typeface="Noto Sans" panose="020B0502040504020204" pitchFamily="34" charset="0"/>
+                <a:cs typeface="Noto Sans" panose="020B0502040504020204" pitchFamily="34" charset="0"/>
+              </a:rPr>
+              <a:t>하이퍼파라미터의</a:t>
+            </a:r>
+            <a:r>
+              <a:rPr lang="ko-KR" altLang="en-US" sz="1000" dirty="0">
+                <a:latin typeface="Noto Sans" panose="020B0502040504020204" pitchFamily="34" charset="0"/>
+                <a:ea typeface="Noto Sans" panose="020B0502040504020204" pitchFamily="34" charset="0"/>
+                <a:cs typeface="Noto Sans" panose="020B0502040504020204" pitchFamily="34" charset="0"/>
+              </a:rPr>
+              <a:t> 값을 크게 변경 후 </a:t>
+            </a:r>
+            <a:r>
+              <a:rPr lang="en-US" altLang="ko-KR" sz="1000" dirty="0">
+                <a:latin typeface="Noto Sans" panose="020B0502040504020204" pitchFamily="34" charset="0"/>
+                <a:ea typeface="Noto Sans" panose="020B0502040504020204" pitchFamily="34" charset="0"/>
+                <a:cs typeface="Noto Sans" panose="020B0502040504020204" pitchFamily="34" charset="0"/>
+              </a:rPr>
+              <a:t>5 runs</a:t>
+            </a:r>
+          </a:p>
+          <a:p>
+            <a:pPr marL="171450" marR="0" lvl="0" indent="-171450" algn="l" rtl="0">
+              <a:lnSpc>
+                <a:spcPct val="100000"/>
+              </a:lnSpc>
+              <a:spcBef>
+                <a:spcPts val="0"/>
+              </a:spcBef>
+              <a:spcAft>
+                <a:spcPts val="0"/>
+              </a:spcAft>
+              <a:buClr>
+                <a:schemeClr val="dk1"/>
+              </a:buClr>
+              <a:buSzPts val="1100"/>
+              <a:buFont typeface="Arial" panose="020B0604020202020204" pitchFamily="34" charset="0"/>
+              <a:buChar char="•"/>
+            </a:pPr>
+            <a:r>
+              <a:rPr lang="en-US" altLang="ko-KR" sz="1000" dirty="0">
+                <a:latin typeface="Noto Sans" panose="020B0502040504020204" pitchFamily="34" charset="0"/>
+                <a:ea typeface="Noto Sans" panose="020B0502040504020204" pitchFamily="34" charset="0"/>
+                <a:cs typeface="Noto Sans" panose="020B0502040504020204" pitchFamily="34" charset="0"/>
+              </a:rPr>
+              <a:t>Batch</a:t>
+            </a:r>
+            <a:r>
+              <a:rPr lang="ko-KR" altLang="en-US" sz="1000" dirty="0">
+                <a:latin typeface="Noto Sans" panose="020B0502040504020204" pitchFamily="34" charset="0"/>
+                <a:ea typeface="Noto Sans" panose="020B0502040504020204" pitchFamily="34" charset="0"/>
+                <a:cs typeface="Noto Sans" panose="020B0502040504020204" pitchFamily="34" charset="0"/>
+              </a:rPr>
+              <a:t> </a:t>
+            </a:r>
+            <a:r>
+              <a:rPr lang="en-US" altLang="ko-KR" sz="1000" dirty="0">
+                <a:latin typeface="Noto Sans" panose="020B0502040504020204" pitchFamily="34" charset="0"/>
+                <a:ea typeface="Noto Sans" panose="020B0502040504020204" pitchFamily="34" charset="0"/>
+                <a:cs typeface="Noto Sans" panose="020B0502040504020204" pitchFamily="34" charset="0"/>
+              </a:rPr>
+              <a:t>size, Learning rate</a:t>
+            </a:r>
+            <a:r>
+              <a:rPr lang="ko-KR" altLang="en-US" sz="1000" dirty="0">
+                <a:latin typeface="Noto Sans" panose="020B0502040504020204" pitchFamily="34" charset="0"/>
+                <a:ea typeface="Noto Sans" panose="020B0502040504020204" pitchFamily="34" charset="0"/>
+                <a:cs typeface="Noto Sans" panose="020B0502040504020204" pitchFamily="34" charset="0"/>
+              </a:rPr>
+              <a:t> 값을 크게 했을 경우 </a:t>
+            </a:r>
+            <a:endParaRPr lang="en-US" altLang="ko-KR" sz="1000" dirty="0">
+              <a:latin typeface="Noto Sans" panose="020B0502040504020204" pitchFamily="34" charset="0"/>
+              <a:ea typeface="Noto Sans" panose="020B0502040504020204" pitchFamily="34" charset="0"/>
+              <a:cs typeface="Noto Sans" panose="020B0502040504020204" pitchFamily="34" charset="0"/>
+            </a:endParaRPr>
+          </a:p>
+          <a:p>
+            <a:pPr marR="0" lvl="0" algn="l" rtl="0">
+              <a:lnSpc>
+                <a:spcPct val="100000"/>
+              </a:lnSpc>
+              <a:spcBef>
+                <a:spcPts val="0"/>
+              </a:spcBef>
+              <a:spcAft>
+                <a:spcPts val="0"/>
+              </a:spcAft>
+              <a:buClr>
+                <a:schemeClr val="dk1"/>
+              </a:buClr>
+              <a:buSzPts val="1100"/>
+            </a:pPr>
+            <a:r>
+              <a:rPr lang="ko-KR" altLang="en-US" sz="1000" dirty="0">
+                <a:latin typeface="Noto Sans" panose="020B0502040504020204" pitchFamily="34" charset="0"/>
+                <a:ea typeface="Noto Sans" panose="020B0502040504020204" pitchFamily="34" charset="0"/>
+                <a:cs typeface="Noto Sans" panose="020B0502040504020204" pitchFamily="34" charset="0"/>
+              </a:rPr>
+              <a:t>학습이 제대로 이뤄지지 않는 점을 확인</a:t>
+            </a:r>
+            <a:endParaRPr lang="en-US" altLang="ko-KR" sz="1000" dirty="0">
+              <a:latin typeface="Noto Sans" panose="020B0502040504020204" pitchFamily="34" charset="0"/>
+              <a:ea typeface="Noto Sans" panose="020B0502040504020204" pitchFamily="34" charset="0"/>
+              <a:cs typeface="Noto Sans" panose="020B0502040504020204" pitchFamily="34" charset="0"/>
+            </a:endParaRPr>
+          </a:p>
+        </p:txBody>
+      </p:sp>
+      <p:pic>
+        <p:nvPicPr>
+          <p:cNvPr id="3" name="그림 2">
+            <a:extLst>
+              <a:ext uri="{FF2B5EF4-FFF2-40B4-BE49-F238E27FC236}">
+                <a16:creationId xmlns:a16="http://schemas.microsoft.com/office/drawing/2014/main" id="{EC2F89B3-2D30-4072-803F-A508D4D58D99}"/>
+              </a:ext>
+            </a:extLst>
+          </p:cNvPr>
+          <p:cNvPicPr>
+            <a:picLocks noChangeAspect="1"/>
+          </p:cNvPicPr>
+          <p:nvPr/>
+        </p:nvPicPr>
+        <p:blipFill>
+          <a:blip r:embed="rId4"/>
+          <a:stretch>
+            <a:fillRect/>
+          </a:stretch>
+        </p:blipFill>
+        <p:spPr>
+          <a:xfrm>
+            <a:off x="3559029" y="902760"/>
+            <a:ext cx="2620361" cy="1397892"/>
+          </a:xfrm>
+          <a:prstGeom prst="rect">
+            <a:avLst/>
+          </a:prstGeom>
+        </p:spPr>
+      </p:pic>
+      <p:sp>
+        <p:nvSpPr>
+          <p:cNvPr id="9" name="Google Shape;514;g33c263190d2_1_146">
+            <a:extLst>
+              <a:ext uri="{FF2B5EF4-FFF2-40B4-BE49-F238E27FC236}">
+                <a16:creationId xmlns:a16="http://schemas.microsoft.com/office/drawing/2014/main" id="{D42AB0D9-25E6-4D91-B50B-7538399BAAF2}"/>
+              </a:ext>
+            </a:extLst>
+          </p:cNvPr>
+          <p:cNvSpPr txBox="1"/>
+          <p:nvPr/>
+        </p:nvSpPr>
+        <p:spPr>
+          <a:xfrm>
+            <a:off x="314245" y="501060"/>
+            <a:ext cx="5495700" cy="401700"/>
+          </a:xfrm>
+          <a:prstGeom prst="rect">
+            <a:avLst/>
+          </a:prstGeom>
+          <a:noFill/>
+          <a:ln>
+            <a:noFill/>
+          </a:ln>
+        </p:spPr>
+        <p:txBody>
+          <a:bodyPr spcFirstLastPara="1" wrap="square" lIns="91425" tIns="91425" rIns="91425" bIns="91425" anchor="ctr" anchorCtr="0">
+            <a:noAutofit/>
+          </a:bodyPr>
+          <a:lstStyle/>
+          <a:p>
+            <a:pPr marL="0" marR="0" lvl="0" indent="0" algn="l" rtl="0">
+              <a:lnSpc>
+                <a:spcPct val="100000"/>
+              </a:lnSpc>
+              <a:spcBef>
+                <a:spcPts val="0"/>
+              </a:spcBef>
+              <a:spcAft>
+                <a:spcPts val="0"/>
+              </a:spcAft>
+              <a:buClr>
+                <a:schemeClr val="dk1"/>
+              </a:buClr>
+              <a:buSzPts val="3000"/>
+              <a:buFont typeface="Quicksand"/>
+              <a:buNone/>
+            </a:pPr>
+            <a:r>
+              <a:rPr lang="en-US" sz="2000" b="1" i="0" u="none" strike="noStrike" cap="none" dirty="0">
+                <a:solidFill>
+                  <a:schemeClr val="dk2"/>
+                </a:solidFill>
+                <a:latin typeface="Noto Sans"/>
+                <a:ea typeface="Noto Sans"/>
+                <a:cs typeface="Noto Sans"/>
+                <a:sym typeface="Noto Sans"/>
+              </a:rPr>
+              <a:t>Appendix</a:t>
+            </a:r>
+            <a:endParaRPr sz="2000" b="1" i="0" u="none" strike="noStrike" cap="none" dirty="0">
+              <a:solidFill>
+                <a:schemeClr val="dk2"/>
+              </a:solidFill>
+              <a:latin typeface="Noto Sans"/>
+              <a:ea typeface="Noto Sans"/>
+              <a:cs typeface="Noto Sans"/>
+              <a:sym typeface="Noto Sans"/>
+            </a:endParaRPr>
+          </a:p>
+        </p:txBody>
+      </p:sp>
+      <p:pic>
+        <p:nvPicPr>
+          <p:cNvPr id="4" name="그림 3">
+            <a:extLst>
+              <a:ext uri="{FF2B5EF4-FFF2-40B4-BE49-F238E27FC236}">
+                <a16:creationId xmlns:a16="http://schemas.microsoft.com/office/drawing/2014/main" id="{986D63F1-861F-48B7-AF6A-9456ECF6802E}"/>
+              </a:ext>
+            </a:extLst>
+          </p:cNvPr>
+          <p:cNvPicPr>
+            <a:picLocks noChangeAspect="1"/>
+          </p:cNvPicPr>
+          <p:nvPr/>
+        </p:nvPicPr>
+        <p:blipFill>
+          <a:blip r:embed="rId5"/>
+          <a:stretch>
+            <a:fillRect/>
+          </a:stretch>
+        </p:blipFill>
+        <p:spPr>
+          <a:xfrm>
+            <a:off x="6209394" y="895828"/>
+            <a:ext cx="2620361" cy="1448243"/>
+          </a:xfrm>
+          <a:prstGeom prst="rect">
+            <a:avLst/>
+          </a:prstGeom>
+        </p:spPr>
+      </p:pic>
+      <p:sp>
+        <p:nvSpPr>
+          <p:cNvPr id="12" name="Google Shape;518;g33c263190d2_1_146">
+            <a:extLst>
+              <a:ext uri="{FF2B5EF4-FFF2-40B4-BE49-F238E27FC236}">
+                <a16:creationId xmlns:a16="http://schemas.microsoft.com/office/drawing/2014/main" id="{B1311DF5-6413-40FB-806A-134D61F5FAB6}"/>
+              </a:ext>
+            </a:extLst>
+          </p:cNvPr>
+          <p:cNvSpPr txBox="1"/>
+          <p:nvPr/>
+        </p:nvSpPr>
+        <p:spPr>
+          <a:xfrm>
+            <a:off x="524699" y="1211031"/>
+            <a:ext cx="4321800" cy="401700"/>
+          </a:xfrm>
+          <a:prstGeom prst="rect">
+            <a:avLst/>
+          </a:prstGeom>
+          <a:noFill/>
+          <a:ln>
+            <a:noFill/>
+          </a:ln>
+        </p:spPr>
+        <p:txBody>
+          <a:bodyPr spcFirstLastPara="1" wrap="square" lIns="91425" tIns="91425" rIns="91425" bIns="91425" anchor="t" anchorCtr="0">
+            <a:noAutofit/>
+          </a:bodyPr>
+          <a:lstStyle/>
+          <a:p>
+            <a:pPr marL="0" lvl="0" indent="0" algn="l" rtl="0">
+              <a:spcBef>
+                <a:spcPts val="0"/>
+              </a:spcBef>
+              <a:spcAft>
+                <a:spcPts val="0"/>
+              </a:spcAft>
+              <a:buClr>
+                <a:schemeClr val="dk1"/>
+              </a:buClr>
+              <a:buSzPts val="1300"/>
+              <a:buFont typeface="Quicksand"/>
+              <a:buNone/>
+            </a:pPr>
+            <a:r>
+              <a:rPr lang="ko-KR" altLang="en-US" sz="1200" b="1" dirty="0">
+                <a:solidFill>
+                  <a:srgbClr val="191919"/>
+                </a:solidFill>
+                <a:latin typeface="Noto Sans"/>
+                <a:ea typeface="Noto Sans"/>
+                <a:cs typeface="Noto Sans"/>
+                <a:sym typeface="Noto Sans"/>
+              </a:rPr>
+              <a:t>비교 실험</a:t>
+            </a:r>
+            <a:endParaRPr sz="1200" b="1" dirty="0">
+              <a:solidFill>
+                <a:srgbClr val="191919"/>
+              </a:solidFill>
+              <a:latin typeface="Noto Sans"/>
+              <a:ea typeface="Noto Sans"/>
+              <a:cs typeface="Noto Sans"/>
+              <a:sym typeface="Noto Sans"/>
+            </a:endParaRPr>
+          </a:p>
+        </p:txBody>
+      </p:sp>
     </p:spTree>
+    <p:extLst>
+      <p:ext uri="{BB962C8B-B14F-4D97-AF65-F5344CB8AC3E}">
+        <p14:creationId xmlns:p14="http://schemas.microsoft.com/office/powerpoint/2010/main" val="44249758"/>
+      </p:ext>
+    </p:extLst>
   </p:cSld>
   <p:clrMapOvr>
     <a:masterClrMapping/>
@@ -29735,42 +30308,198 @@
               <a:buNone/>
             </a:pPr>
             <a:r>
-              <a:rPr lang="en-US" sz="1200" b="0" i="0" u="none" strike="noStrike" cap="none">
-                <a:solidFill>
-                  <a:srgbClr val="191919"/>
-                </a:solidFill>
-                <a:latin typeface="Noto Sans"/>
-                <a:ea typeface="Noto Sans"/>
-                <a:cs typeface="Noto Sans"/>
-                <a:sym typeface="Noto Sans"/>
-              </a:rPr>
-              <a:t>언어 모델의 </a:t>
-            </a:r>
-            <a:r>
-              <a:rPr lang="en-US" sz="1200" b="1" i="0" u="none" strike="noStrike" cap="none">
-                <a:solidFill>
-                  <a:srgbClr val="191919"/>
-                </a:solidFill>
-                <a:latin typeface="Noto Sans"/>
-                <a:ea typeface="Noto Sans"/>
-                <a:cs typeface="Noto Sans"/>
-                <a:sym typeface="Noto Sans"/>
-              </a:rPr>
-              <a:t>사전 학습</a:t>
-            </a:r>
-            <a:r>
-              <a:rPr lang="en-US" sz="1200" b="0" i="0" u="none" strike="noStrike" cap="none">
-                <a:solidFill>
-                  <a:srgbClr val="191919"/>
-                </a:solidFill>
-                <a:latin typeface="Noto Sans"/>
-                <a:ea typeface="Noto Sans"/>
-                <a:cs typeface="Noto Sans"/>
-                <a:sym typeface="Noto Sans"/>
-              </a:rPr>
-              <a:t>은 NLP task를 향상시키는 데 효과적임이 입증됨</a:t>
-            </a:r>
-            <a:endParaRPr sz="1200" b="0" i="0" u="none" strike="noStrike" cap="none">
+              <a:rPr lang="en-US" sz="1200" b="0" i="0" u="none" strike="noStrike" cap="none" dirty="0" err="1">
+                <a:solidFill>
+                  <a:srgbClr val="191919"/>
+                </a:solidFill>
+                <a:latin typeface="Noto Sans"/>
+                <a:ea typeface="Noto Sans"/>
+                <a:cs typeface="Noto Sans"/>
+                <a:sym typeface="Noto Sans"/>
+              </a:rPr>
+              <a:t>언어</a:t>
+            </a:r>
+            <a:r>
+              <a:rPr lang="en-US" sz="1200" b="0" i="0" u="none" strike="noStrike" cap="none" dirty="0">
+                <a:solidFill>
+                  <a:srgbClr val="191919"/>
+                </a:solidFill>
+                <a:latin typeface="Noto Sans"/>
+                <a:ea typeface="Noto Sans"/>
+                <a:cs typeface="Noto Sans"/>
+                <a:sym typeface="Noto Sans"/>
+              </a:rPr>
+              <a:t> </a:t>
+            </a:r>
+            <a:r>
+              <a:rPr lang="en-US" sz="1200" b="0" i="0" u="none" strike="noStrike" cap="none" dirty="0" err="1">
+                <a:solidFill>
+                  <a:srgbClr val="191919"/>
+                </a:solidFill>
+                <a:latin typeface="Noto Sans"/>
+                <a:ea typeface="Noto Sans"/>
+                <a:cs typeface="Noto Sans"/>
+                <a:sym typeface="Noto Sans"/>
+              </a:rPr>
+              <a:t>모델의</a:t>
+            </a:r>
+            <a:r>
+              <a:rPr lang="en-US" sz="1200" b="0" i="0" u="none" strike="noStrike" cap="none" dirty="0">
+                <a:solidFill>
+                  <a:srgbClr val="191919"/>
+                </a:solidFill>
+                <a:latin typeface="Noto Sans"/>
+                <a:ea typeface="Noto Sans"/>
+                <a:cs typeface="Noto Sans"/>
+                <a:sym typeface="Noto Sans"/>
+              </a:rPr>
+              <a:t> </a:t>
+            </a:r>
+            <a:r>
+              <a:rPr lang="en-US" sz="1200" b="1" i="0" u="none" strike="noStrike" cap="none" dirty="0" err="1">
+                <a:solidFill>
+                  <a:srgbClr val="191919"/>
+                </a:solidFill>
+                <a:latin typeface="Noto Sans"/>
+                <a:ea typeface="Noto Sans"/>
+                <a:cs typeface="Noto Sans"/>
+                <a:sym typeface="Noto Sans"/>
+              </a:rPr>
+              <a:t>사전</a:t>
+            </a:r>
+            <a:r>
+              <a:rPr lang="en-US" sz="1200" b="1" i="0" u="none" strike="noStrike" cap="none" dirty="0">
+                <a:solidFill>
+                  <a:srgbClr val="191919"/>
+                </a:solidFill>
+                <a:latin typeface="Noto Sans"/>
+                <a:ea typeface="Noto Sans"/>
+                <a:cs typeface="Noto Sans"/>
+                <a:sym typeface="Noto Sans"/>
+              </a:rPr>
+              <a:t> </a:t>
+            </a:r>
+            <a:r>
+              <a:rPr lang="en-US" sz="1200" b="1" i="0" u="none" strike="noStrike" cap="none" dirty="0" err="1">
+                <a:solidFill>
+                  <a:srgbClr val="191919"/>
+                </a:solidFill>
+                <a:latin typeface="Noto Sans"/>
+                <a:ea typeface="Noto Sans"/>
+                <a:cs typeface="Noto Sans"/>
+                <a:sym typeface="Noto Sans"/>
+              </a:rPr>
+              <a:t>학습</a:t>
+            </a:r>
+            <a:r>
+              <a:rPr lang="en-US" sz="1200" b="0" i="0" u="none" strike="noStrike" cap="none" dirty="0" err="1">
+                <a:solidFill>
+                  <a:srgbClr val="191919"/>
+                </a:solidFill>
+                <a:latin typeface="Noto Sans"/>
+                <a:ea typeface="Noto Sans"/>
+                <a:cs typeface="Noto Sans"/>
+                <a:sym typeface="Noto Sans"/>
+              </a:rPr>
+              <a:t>은</a:t>
+            </a:r>
+            <a:r>
+              <a:rPr lang="en-US" sz="1200" b="0" i="0" u="none" strike="noStrike" cap="none" dirty="0">
+                <a:solidFill>
+                  <a:srgbClr val="191919"/>
+                </a:solidFill>
+                <a:latin typeface="Noto Sans"/>
+                <a:ea typeface="Noto Sans"/>
+                <a:cs typeface="Noto Sans"/>
+                <a:sym typeface="Noto Sans"/>
+              </a:rPr>
+              <a:t> NLP </a:t>
+            </a:r>
+            <a:r>
+              <a:rPr lang="en-US" sz="1200" b="0" i="0" u="none" strike="noStrike" cap="none" dirty="0" err="1">
+                <a:solidFill>
+                  <a:srgbClr val="191919"/>
+                </a:solidFill>
+                <a:latin typeface="Noto Sans"/>
+                <a:ea typeface="Noto Sans"/>
+                <a:cs typeface="Noto Sans"/>
+                <a:sym typeface="Noto Sans"/>
+              </a:rPr>
+              <a:t>task를</a:t>
+            </a:r>
+            <a:r>
+              <a:rPr lang="en-US" sz="1200" b="0" i="0" u="none" strike="noStrike" cap="none" dirty="0">
+                <a:solidFill>
+                  <a:srgbClr val="191919"/>
+                </a:solidFill>
+                <a:latin typeface="Noto Sans"/>
+                <a:ea typeface="Noto Sans"/>
+                <a:cs typeface="Noto Sans"/>
+                <a:sym typeface="Noto Sans"/>
+              </a:rPr>
+              <a:t> </a:t>
+            </a:r>
+            <a:r>
+              <a:rPr lang="en-US" sz="1200" b="0" i="0" u="none" strike="noStrike" cap="none" dirty="0" err="1">
+                <a:solidFill>
+                  <a:srgbClr val="191919"/>
+                </a:solidFill>
+                <a:latin typeface="Noto Sans"/>
+                <a:ea typeface="Noto Sans"/>
+                <a:cs typeface="Noto Sans"/>
+                <a:sym typeface="Noto Sans"/>
+              </a:rPr>
+              <a:t>향상시키는</a:t>
+            </a:r>
+            <a:r>
+              <a:rPr lang="en-US" sz="1200" b="0" i="0" u="none" strike="noStrike" cap="none" dirty="0">
+                <a:solidFill>
+                  <a:srgbClr val="191919"/>
+                </a:solidFill>
+                <a:latin typeface="Noto Sans"/>
+                <a:ea typeface="Noto Sans"/>
+                <a:cs typeface="Noto Sans"/>
+                <a:sym typeface="Noto Sans"/>
+              </a:rPr>
+              <a:t> 데 </a:t>
+            </a:r>
+            <a:r>
+              <a:rPr lang="en-US" sz="1200" b="0" i="0" u="none" strike="noStrike" cap="none" dirty="0" err="1">
+                <a:solidFill>
+                  <a:srgbClr val="191919"/>
+                </a:solidFill>
+                <a:latin typeface="Noto Sans"/>
+                <a:ea typeface="Noto Sans"/>
+                <a:cs typeface="Noto Sans"/>
+                <a:sym typeface="Noto Sans"/>
+              </a:rPr>
+              <a:t>효과적임이</a:t>
+            </a:r>
+            <a:r>
+              <a:rPr lang="en-US" sz="1200" b="0" i="0" u="none" strike="noStrike" cap="none" dirty="0">
+                <a:solidFill>
+                  <a:srgbClr val="191919"/>
+                </a:solidFill>
+                <a:latin typeface="Noto Sans"/>
+                <a:ea typeface="Noto Sans"/>
+                <a:cs typeface="Noto Sans"/>
+                <a:sym typeface="Noto Sans"/>
+              </a:rPr>
+              <a:t> </a:t>
+            </a:r>
+            <a:r>
+              <a:rPr lang="en-US" sz="1200" b="0" i="0" u="none" strike="noStrike" cap="none" dirty="0" err="1">
+                <a:solidFill>
+                  <a:srgbClr val="191919"/>
+                </a:solidFill>
+                <a:latin typeface="Noto Sans"/>
+                <a:ea typeface="Noto Sans"/>
+                <a:cs typeface="Noto Sans"/>
+                <a:sym typeface="Noto Sans"/>
+              </a:rPr>
+              <a:t>입증</a:t>
+            </a:r>
+            <a:endParaRPr sz="1200" b="0" i="0" u="none" strike="noStrike" cap="none" dirty="0">
               <a:solidFill>
                 <a:srgbClr val="191919"/>
               </a:solidFill>
@@ -30998,279 +31727,6 @@
           </a:p>
         </p:txBody>
       </p:sp>
-    </p:spTree>
-  </p:cSld>
-  <p:clrMapOvr>
-    <a:masterClrMapping/>
-  </p:clrMapOvr>
-</p:sld>
-</file>
-
-<file path=ppt/slides/slide30.xml><?xml version="1.0" encoding="utf-8"?>
-<p:sld xmlns:a="http://schemas.openxmlformats.org/drawingml/2006/main" xmlns:r="http://schemas.openxmlformats.org/officeDocument/2006/relationships" xmlns:p="http://schemas.openxmlformats.org/presentationml/2006/main">
-  <p:cSld>
-    <p:spTree>
-      <p:nvGrpSpPr>
-        <p:cNvPr id="1" name="Shape 523"/>
-        <p:cNvGrpSpPr/>
-        <p:nvPr/>
-      </p:nvGrpSpPr>
-      <p:grpSpPr>
-        <a:xfrm>
-          <a:off x="0" y="0"/>
-          <a:ext cx="0" cy="0"/>
-          <a:chOff x="0" y="0"/>
-          <a:chExt cx="0" cy="0"/>
-        </a:xfrm>
-      </p:grpSpPr>
-      <p:sp>
-        <p:nvSpPr>
-          <p:cNvPr id="524" name="Google Shape;524;p27"/>
-          <p:cNvSpPr txBox="1">
-            <a:spLocks noGrp="1"/>
-          </p:cNvSpPr>
-          <p:nvPr>
-            <p:ph type="sldNum" idx="12"/>
-          </p:nvPr>
-        </p:nvSpPr>
-        <p:spPr>
-          <a:xfrm>
-            <a:off x="4297650" y="4602875"/>
-            <a:ext cx="548700" cy="333600"/>
-          </a:xfrm>
-          <a:prstGeom prst="rect">
-            <a:avLst/>
-          </a:prstGeom>
-          <a:noFill/>
-          <a:ln>
-            <a:noFill/>
-          </a:ln>
-        </p:spPr>
-        <p:txBody>
-          <a:bodyPr spcFirstLastPara="1" wrap="square" lIns="91425" tIns="91425" rIns="91425" bIns="91425" anchor="t" anchorCtr="0">
-            <a:noAutofit/>
-          </a:bodyPr>
-          <a:lstStyle/>
-          <a:p>
-            <a:pPr marL="0" lvl="0" indent="0" algn="ctr" rtl="0">
-              <a:lnSpc>
-                <a:spcPct val="100000"/>
-              </a:lnSpc>
-              <a:spcBef>
-                <a:spcPts val="0"/>
-              </a:spcBef>
-              <a:spcAft>
-                <a:spcPts val="0"/>
-              </a:spcAft>
-              <a:buSzPts val="1300"/>
-              <a:buNone/>
-            </a:pPr>
-            <a:fld id="{00000000-1234-1234-1234-123412341234}" type="slidenum">
-              <a:rPr lang="en-US">
-                <a:latin typeface="Noto Sans"/>
-                <a:ea typeface="Noto Sans"/>
-                <a:cs typeface="Noto Sans"/>
-                <a:sym typeface="Noto Sans"/>
-              </a:rPr>
-              <a:t>30</a:t>
-            </a:fld>
-            <a:endParaRPr>
-              <a:latin typeface="Noto Sans"/>
-              <a:ea typeface="Noto Sans"/>
-              <a:cs typeface="Noto Sans"/>
-              <a:sym typeface="Noto Sans"/>
-            </a:endParaRPr>
-          </a:p>
-        </p:txBody>
-      </p:sp>
-      <p:sp>
-        <p:nvSpPr>
-          <p:cNvPr id="525" name="Google Shape;525;p27"/>
-          <p:cNvSpPr txBox="1"/>
-          <p:nvPr/>
-        </p:nvSpPr>
-        <p:spPr>
-          <a:xfrm>
-            <a:off x="291386" y="485820"/>
-            <a:ext cx="1479143" cy="401685"/>
-          </a:xfrm>
-          <a:prstGeom prst="rect">
-            <a:avLst/>
-          </a:prstGeom>
-          <a:noFill/>
-          <a:ln>
-            <a:noFill/>
-          </a:ln>
-        </p:spPr>
-        <p:txBody>
-          <a:bodyPr spcFirstLastPara="1" wrap="square" lIns="91425" tIns="91425" rIns="91425" bIns="91425" anchor="ctr" anchorCtr="0">
-            <a:noAutofit/>
-          </a:bodyPr>
-          <a:lstStyle/>
-          <a:p>
-            <a:pPr marL="0" marR="0" lvl="0" indent="0" algn="l" rtl="0">
-              <a:lnSpc>
-                <a:spcPct val="100000"/>
-              </a:lnSpc>
-              <a:spcBef>
-                <a:spcPts val="0"/>
-              </a:spcBef>
-              <a:spcAft>
-                <a:spcPts val="0"/>
-              </a:spcAft>
-              <a:buClr>
-                <a:schemeClr val="dk1"/>
-              </a:buClr>
-              <a:buSzPts val="3000"/>
-              <a:buFont typeface="Quicksand"/>
-              <a:buNone/>
-            </a:pPr>
-            <a:r>
-              <a:rPr lang="en-US" sz="2000" b="1" i="0" u="none" strike="noStrike" cap="none">
-                <a:solidFill>
-                  <a:schemeClr val="dk2"/>
-                </a:solidFill>
-                <a:latin typeface="Noto Sans"/>
-                <a:ea typeface="Noto Sans"/>
-                <a:cs typeface="Noto Sans"/>
-                <a:sym typeface="Noto Sans"/>
-              </a:rPr>
-              <a:t>Appendix</a:t>
-            </a:r>
-            <a:endParaRPr sz="2000" b="1" i="0" u="none" strike="noStrike" cap="none">
-              <a:solidFill>
-                <a:schemeClr val="dk2"/>
-              </a:solidFill>
-              <a:latin typeface="Noto Sans"/>
-              <a:ea typeface="Noto Sans"/>
-              <a:cs typeface="Noto Sans"/>
-              <a:sym typeface="Noto Sans"/>
-            </a:endParaRPr>
-          </a:p>
-        </p:txBody>
-      </p:sp>
-      <p:sp>
-        <p:nvSpPr>
-          <p:cNvPr id="526" name="Google Shape;526;p27"/>
-          <p:cNvSpPr txBox="1"/>
-          <p:nvPr/>
-        </p:nvSpPr>
-        <p:spPr>
-          <a:xfrm>
-            <a:off x="524699" y="1211031"/>
-            <a:ext cx="4321651" cy="401685"/>
-          </a:xfrm>
-          <a:prstGeom prst="rect">
-            <a:avLst/>
-          </a:prstGeom>
-          <a:noFill/>
-          <a:ln>
-            <a:noFill/>
-          </a:ln>
-        </p:spPr>
-        <p:txBody>
-          <a:bodyPr spcFirstLastPara="1" wrap="square" lIns="91425" tIns="91425" rIns="91425" bIns="91425" anchor="t" anchorCtr="0">
-            <a:noAutofit/>
-          </a:bodyPr>
-          <a:lstStyle/>
-          <a:p>
-            <a:pPr marL="0" marR="0" lvl="0" indent="0" algn="l" rtl="0">
-              <a:lnSpc>
-                <a:spcPct val="100000"/>
-              </a:lnSpc>
-              <a:spcBef>
-                <a:spcPts val="0"/>
-              </a:spcBef>
-              <a:spcAft>
-                <a:spcPts val="0"/>
-              </a:spcAft>
-              <a:buClr>
-                <a:schemeClr val="dk1"/>
-              </a:buClr>
-              <a:buSzPts val="1200"/>
-              <a:buFont typeface="Quicksand"/>
-              <a:buNone/>
-            </a:pPr>
-            <a:r>
-              <a:rPr lang="en-US" sz="1200" b="1" i="0" u="none" strike="noStrike" cap="none">
-                <a:solidFill>
-                  <a:srgbClr val="191919"/>
-                </a:solidFill>
-                <a:latin typeface="Noto Sans"/>
-                <a:ea typeface="Noto Sans"/>
-                <a:cs typeface="Noto Sans"/>
-                <a:sym typeface="Noto Sans"/>
-              </a:rPr>
-              <a:t>Validation, Test dataset label 분포</a:t>
-            </a:r>
-            <a:endParaRPr sz="1200" b="1" i="0" u="none" strike="noStrike" cap="none">
-              <a:solidFill>
-                <a:srgbClr val="191919"/>
-              </a:solidFill>
-              <a:latin typeface="Noto Sans"/>
-              <a:ea typeface="Noto Sans"/>
-              <a:cs typeface="Noto Sans"/>
-              <a:sym typeface="Noto Sans"/>
-            </a:endParaRPr>
-          </a:p>
-        </p:txBody>
-      </p:sp>
-      <p:pic>
-        <p:nvPicPr>
-          <p:cNvPr id="527" name="Google Shape;527;p27"/>
-          <p:cNvPicPr preferRelativeResize="0"/>
-          <p:nvPr/>
-        </p:nvPicPr>
-        <p:blipFill>
-          <a:blip r:embed="rId3">
-            <a:alphaModFix/>
-          </a:blip>
-          <a:stretch>
-            <a:fillRect/>
-          </a:stretch>
-        </p:blipFill>
-        <p:spPr>
-          <a:xfrm>
-            <a:off x="5064700" y="1958573"/>
-            <a:ext cx="3654674" cy="2008225"/>
-          </a:xfrm>
-          <a:prstGeom prst="rect">
-            <a:avLst/>
-          </a:prstGeom>
-          <a:noFill/>
-          <a:ln>
-            <a:noFill/>
-          </a:ln>
-        </p:spPr>
-      </p:pic>
-      <p:pic>
-        <p:nvPicPr>
-          <p:cNvPr id="528" name="Google Shape;528;p27"/>
-          <p:cNvPicPr preferRelativeResize="0"/>
-          <p:nvPr/>
-        </p:nvPicPr>
-        <p:blipFill>
-          <a:blip r:embed="rId4">
-            <a:alphaModFix/>
-          </a:blip>
-          <a:stretch>
-            <a:fillRect/>
-          </a:stretch>
-        </p:blipFill>
-        <p:spPr>
-          <a:xfrm>
-            <a:off x="858175" y="1748949"/>
-            <a:ext cx="3654675" cy="2634506"/>
-          </a:xfrm>
-          <a:prstGeom prst="rect">
-            <a:avLst/>
-          </a:prstGeom>
-          <a:noFill/>
-          <a:ln>
-            <a:noFill/>
-          </a:ln>
-        </p:spPr>
-      </p:pic>
     </p:spTree>
   </p:cSld>
   <p:clrMapOvr>
